--- a/ShoesGalore_Presentation_FinalCopy.pptx
+++ b/ShoesGalore_Presentation_FinalCopy.pptx
@@ -10,11 +10,13 @@
     <p:sldId id="270" r:id="rId4"/>
     <p:sldId id="263" r:id="rId5"/>
     <p:sldId id="264" r:id="rId6"/>
-    <p:sldId id="262" r:id="rId7"/>
-    <p:sldId id="265" r:id="rId8"/>
-    <p:sldId id="266" r:id="rId9"/>
-    <p:sldId id="267" r:id="rId10"/>
-    <p:sldId id="269" r:id="rId11"/>
+    <p:sldId id="266" r:id="rId7"/>
+    <p:sldId id="271" r:id="rId8"/>
+    <p:sldId id="262" r:id="rId9"/>
+    <p:sldId id="272" r:id="rId10"/>
+    <p:sldId id="265" r:id="rId11"/>
+    <p:sldId id="267" r:id="rId12"/>
+    <p:sldId id="269" r:id="rId13"/>
   </p:sldIdLst>
   <p:sldSz cx="12192000" cy="6858000"/>
   <p:notesSz cx="6858000" cy="9144000"/>
@@ -268,7 +270,7 @@
           <a:p>
             <a:fld id="{E1DC22ED-384F-9A40-9595-224A871E1606}" type="datetimeFigureOut">
               <a:rPr lang="en-US" smtClean="0"/>
-              <a:t>10/29/21</a:t>
+              <a:t>10/30/2021</a:t>
             </a:fld>
             <a:endParaRPr lang="en-US"/>
           </a:p>
@@ -466,7 +468,7 @@
           <a:p>
             <a:fld id="{E1DC22ED-384F-9A40-9595-224A871E1606}" type="datetimeFigureOut">
               <a:rPr lang="en-US" smtClean="0"/>
-              <a:t>10/29/21</a:t>
+              <a:t>10/30/2021</a:t>
             </a:fld>
             <a:endParaRPr lang="en-US"/>
           </a:p>
@@ -674,7 +676,7 @@
           <a:p>
             <a:fld id="{E1DC22ED-384F-9A40-9595-224A871E1606}" type="datetimeFigureOut">
               <a:rPr lang="en-US" smtClean="0"/>
-              <a:t>10/29/21</a:t>
+              <a:t>10/30/2021</a:t>
             </a:fld>
             <a:endParaRPr lang="en-US"/>
           </a:p>
@@ -872,7 +874,7 @@
           <a:p>
             <a:fld id="{E1DC22ED-384F-9A40-9595-224A871E1606}" type="datetimeFigureOut">
               <a:rPr lang="en-US" smtClean="0"/>
-              <a:t>10/29/21</a:t>
+              <a:t>10/30/2021</a:t>
             </a:fld>
             <a:endParaRPr lang="en-US"/>
           </a:p>
@@ -1147,7 +1149,7 @@
           <a:p>
             <a:fld id="{E1DC22ED-384F-9A40-9595-224A871E1606}" type="datetimeFigureOut">
               <a:rPr lang="en-US" smtClean="0"/>
-              <a:t>10/29/21</a:t>
+              <a:t>10/30/2021</a:t>
             </a:fld>
             <a:endParaRPr lang="en-US"/>
           </a:p>
@@ -1412,7 +1414,7 @@
           <a:p>
             <a:fld id="{E1DC22ED-384F-9A40-9595-224A871E1606}" type="datetimeFigureOut">
               <a:rPr lang="en-US" smtClean="0"/>
-              <a:t>10/29/21</a:t>
+              <a:t>10/30/2021</a:t>
             </a:fld>
             <a:endParaRPr lang="en-US"/>
           </a:p>
@@ -1824,7 +1826,7 @@
           <a:p>
             <a:fld id="{E1DC22ED-384F-9A40-9595-224A871E1606}" type="datetimeFigureOut">
               <a:rPr lang="en-US" smtClean="0"/>
-              <a:t>10/29/21</a:t>
+              <a:t>10/30/2021</a:t>
             </a:fld>
             <a:endParaRPr lang="en-US"/>
           </a:p>
@@ -1965,7 +1967,7 @@
           <a:p>
             <a:fld id="{E1DC22ED-384F-9A40-9595-224A871E1606}" type="datetimeFigureOut">
               <a:rPr lang="en-US" smtClean="0"/>
-              <a:t>10/29/21</a:t>
+              <a:t>10/30/2021</a:t>
             </a:fld>
             <a:endParaRPr lang="en-US"/>
           </a:p>
@@ -2078,7 +2080,7 @@
           <a:p>
             <a:fld id="{E1DC22ED-384F-9A40-9595-224A871E1606}" type="datetimeFigureOut">
               <a:rPr lang="en-US" smtClean="0"/>
-              <a:t>10/29/21</a:t>
+              <a:t>10/30/2021</a:t>
             </a:fld>
             <a:endParaRPr lang="en-US"/>
           </a:p>
@@ -2389,7 +2391,7 @@
           <a:p>
             <a:fld id="{E1DC22ED-384F-9A40-9595-224A871E1606}" type="datetimeFigureOut">
               <a:rPr lang="en-US" smtClean="0"/>
-              <a:t>10/29/21</a:t>
+              <a:t>10/30/2021</a:t>
             </a:fld>
             <a:endParaRPr lang="en-US"/>
           </a:p>
@@ -2677,7 +2679,7 @@
           <a:p>
             <a:fld id="{E1DC22ED-384F-9A40-9595-224A871E1606}" type="datetimeFigureOut">
               <a:rPr lang="en-US" smtClean="0"/>
-              <a:t>10/29/21</a:t>
+              <a:t>10/30/2021</a:t>
             </a:fld>
             <a:endParaRPr lang="en-US"/>
           </a:p>
@@ -2918,7 +2920,7 @@
           <a:p>
             <a:fld id="{E1DC22ED-384F-9A40-9595-224A871E1606}" type="datetimeFigureOut">
               <a:rPr lang="en-US" smtClean="0"/>
-              <a:t>10/29/21</a:t>
+              <a:t>10/30/2021</a:t>
             </a:fld>
             <a:endParaRPr lang="en-US"/>
           </a:p>
@@ -4002,6 +4004,538 @@
           <a:chExt cx="0" cy="0"/>
         </a:xfrm>
       </p:grpSpPr>
+      <p:sp>
+        <p:nvSpPr>
+          <p:cNvPr id="2" name="Title 1">
+            <a:extLst>
+              <a:ext uri="{FF2B5EF4-FFF2-40B4-BE49-F238E27FC236}">
+                <a16:creationId xmlns:a16="http://schemas.microsoft.com/office/drawing/2014/main" id="{63157D4E-68C3-47B0-A3B3-D49B0641F127}"/>
+              </a:ext>
+            </a:extLst>
+          </p:cNvPr>
+          <p:cNvSpPr>
+            <a:spLocks noGrp="1"/>
+          </p:cNvSpPr>
+          <p:nvPr>
+            <p:ph type="title"/>
+          </p:nvPr>
+        </p:nvSpPr>
+        <p:spPr>
+          <a:xfrm>
+            <a:off x="5810776" y="319454"/>
+            <a:ext cx="5887599" cy="970450"/>
+          </a:xfrm>
+        </p:spPr>
+        <p:txBody>
+          <a:bodyPr>
+            <a:noAutofit/>
+          </a:bodyPr>
+          <a:lstStyle/>
+          <a:p>
+            <a:pPr algn="ctr"/>
+            <a:r>
+              <a:rPr lang="en-US" sz="3000" dirty="0">
+                <a:latin typeface="Century Gothic" panose="020B0502020202020204" pitchFamily="34" charset="0"/>
+              </a:rPr>
+              <a:t>Average Price by Shoe Color</a:t>
+            </a:r>
+          </a:p>
+        </p:txBody>
+      </p:sp>
+      <p:cxnSp>
+        <p:nvCxnSpPr>
+          <p:cNvPr id="12" name="Straight Connector 11">
+            <a:extLst>
+              <a:ext uri="{FF2B5EF4-FFF2-40B4-BE49-F238E27FC236}">
+                <a16:creationId xmlns:a16="http://schemas.microsoft.com/office/drawing/2014/main" id="{79F5D651-4C8B-124D-87F0-C0AE09F19AD7}"/>
+              </a:ext>
+            </a:extLst>
+          </p:cNvPr>
+          <p:cNvCxnSpPr/>
+          <p:nvPr/>
+        </p:nvCxnSpPr>
+        <p:spPr>
+          <a:xfrm>
+            <a:off x="6138344" y="1112107"/>
+            <a:ext cx="5377649" cy="0"/>
+          </a:xfrm>
+          <a:prstGeom prst="line">
+            <a:avLst/>
+          </a:prstGeom>
+          <a:ln w="50800" cap="rnd">
+            <a:solidFill>
+              <a:schemeClr val="tx1"/>
+            </a:solidFill>
+          </a:ln>
+        </p:spPr>
+        <p:style>
+          <a:lnRef idx="1">
+            <a:schemeClr val="accent1"/>
+          </a:lnRef>
+          <a:fillRef idx="0">
+            <a:schemeClr val="accent1"/>
+          </a:fillRef>
+          <a:effectRef idx="0">
+            <a:schemeClr val="accent1"/>
+          </a:effectRef>
+          <a:fontRef idx="minor">
+            <a:schemeClr val="tx1"/>
+          </a:fontRef>
+        </p:style>
+      </p:cxnSp>
+      <p:sp>
+        <p:nvSpPr>
+          <p:cNvPr id="7" name="Content Placeholder 6">
+            <a:extLst>
+              <a:ext uri="{FF2B5EF4-FFF2-40B4-BE49-F238E27FC236}">
+                <a16:creationId xmlns:a16="http://schemas.microsoft.com/office/drawing/2014/main" id="{42F1070B-B54A-6943-A4FD-CE02C890D8CD}"/>
+              </a:ext>
+            </a:extLst>
+          </p:cNvPr>
+          <p:cNvSpPr>
+            <a:spLocks noGrp="1"/>
+          </p:cNvSpPr>
+          <p:nvPr>
+            <p:ph sz="half" idx="2"/>
+          </p:nvPr>
+        </p:nvSpPr>
+        <p:spPr>
+          <a:xfrm>
+            <a:off x="6259221" y="1502393"/>
+            <a:ext cx="5439154" cy="2782641"/>
+          </a:xfrm>
+        </p:spPr>
+        <p:txBody>
+          <a:bodyPr>
+            <a:normAutofit/>
+          </a:bodyPr>
+          <a:lstStyle/>
+          <a:p>
+            <a:r>
+              <a:rPr lang="en-US" sz="1600" dirty="0">
+                <a:latin typeface="Century Gothic" panose="020B0502020202020204" pitchFamily="34" charset="0"/>
+              </a:rPr>
+              <a:t>White shoes typically cost the most having an average price point of $92.96.</a:t>
+            </a:r>
+          </a:p>
+          <a:p>
+            <a:r>
+              <a:rPr lang="en-US" sz="1600" dirty="0">
+                <a:latin typeface="Century Gothic" panose="020B0502020202020204" pitchFamily="34" charset="0"/>
+              </a:rPr>
+              <a:t>Black shoes came in second having an average price point of $74.18.</a:t>
+            </a:r>
+          </a:p>
+          <a:p>
+            <a:r>
+              <a:rPr lang="en-US" sz="1600" dirty="0">
+                <a:latin typeface="Century Gothic" panose="020B0502020202020204" pitchFamily="34" charset="0"/>
+              </a:rPr>
+              <a:t>Out of the top ten colors, grey shoes have the lowest average price point coming in at $47.90.</a:t>
+            </a:r>
+          </a:p>
+        </p:txBody>
+      </p:sp>
+      <p:pic>
+        <p:nvPicPr>
+          <p:cNvPr id="15" name="Content Placeholder 9" descr="Text&#10;&#10;Description automatically generated with medium confidence">
+            <a:extLst>
+              <a:ext uri="{FF2B5EF4-FFF2-40B4-BE49-F238E27FC236}">
+                <a16:creationId xmlns:a16="http://schemas.microsoft.com/office/drawing/2014/main" id="{10B322ED-F5EE-6E4E-88B7-8E10AA5D6A62}"/>
+              </a:ext>
+            </a:extLst>
+          </p:cNvPr>
+          <p:cNvPicPr>
+            <a:picLocks noChangeAspect="1"/>
+          </p:cNvPicPr>
+          <p:nvPr/>
+        </p:nvPicPr>
+        <p:blipFill>
+          <a:blip r:embed="rId2">
+            <a:extLst>
+              <a:ext uri="{28A0092B-C50C-407E-A947-70E740481C1C}">
+                <a14:useLocalDpi xmlns:a14="http://schemas.microsoft.com/office/drawing/2010/main" val="0"/>
+              </a:ext>
+            </a:extLst>
+          </a:blip>
+          <a:stretch>
+            <a:fillRect/>
+          </a:stretch>
+        </p:blipFill>
+        <p:spPr>
+          <a:xfrm>
+            <a:off x="448171" y="4344965"/>
+            <a:ext cx="7920990" cy="2193581"/>
+          </a:xfrm>
+          <a:prstGeom prst="rect">
+            <a:avLst/>
+          </a:prstGeom>
+        </p:spPr>
+      </p:pic>
+      <p:pic>
+        <p:nvPicPr>
+          <p:cNvPr id="8194" name="Picture 2" descr="image">
+            <a:extLst>
+              <a:ext uri="{FF2B5EF4-FFF2-40B4-BE49-F238E27FC236}">
+                <a16:creationId xmlns:a16="http://schemas.microsoft.com/office/drawing/2014/main" id="{0542ED48-580D-5F40-91EF-3FEC7C4F4D54}"/>
+              </a:ext>
+            </a:extLst>
+          </p:cNvPr>
+          <p:cNvPicPr>
+            <a:picLocks noChangeAspect="1" noChangeArrowheads="1"/>
+          </p:cNvPicPr>
+          <p:nvPr/>
+        </p:nvPicPr>
+        <p:blipFill>
+          <a:blip r:embed="rId3">
+            <a:extLst>
+              <a:ext uri="{28A0092B-C50C-407E-A947-70E740481C1C}">
+                <a14:useLocalDpi xmlns:a14="http://schemas.microsoft.com/office/drawing/2010/main" val="0"/>
+              </a:ext>
+            </a:extLst>
+          </a:blip>
+          <a:srcRect/>
+          <a:stretch>
+            <a:fillRect/>
+          </a:stretch>
+        </p:blipFill>
+        <p:spPr bwMode="auto">
+          <a:xfrm>
+            <a:off x="448171" y="709472"/>
+            <a:ext cx="4409833" cy="3358785"/>
+          </a:xfrm>
+          <a:prstGeom prst="rect">
+            <a:avLst/>
+          </a:prstGeom>
+          <a:noFill/>
+          <a:extLst>
+            <a:ext uri="{909E8E84-426E-40DD-AFC4-6F175D3DCCD1}">
+              <a14:hiddenFill xmlns:a14="http://schemas.microsoft.com/office/drawing/2010/main">
+                <a:solidFill>
+                  <a:srgbClr val="FFFFFF"/>
+                </a:solidFill>
+              </a14:hiddenFill>
+            </a:ext>
+          </a:extLst>
+        </p:spPr>
+      </p:pic>
+    </p:spTree>
+    <p:extLst>
+      <p:ext uri="{BB962C8B-B14F-4D97-AF65-F5344CB8AC3E}">
+        <p14:creationId xmlns:p14="http://schemas.microsoft.com/office/powerpoint/2010/main" val="3600052207"/>
+      </p:ext>
+    </p:extLst>
+  </p:cSld>
+  <p:clrMapOvr>
+    <a:masterClrMapping/>
+  </p:clrMapOvr>
+</p:sld>
+</file>
+
+<file path=ppt/slides/slide11.xml><?xml version="1.0" encoding="utf-8"?>
+<p:sld xmlns:a="http://schemas.openxmlformats.org/drawingml/2006/main" xmlns:r="http://schemas.openxmlformats.org/officeDocument/2006/relationships" xmlns:p="http://schemas.openxmlformats.org/presentationml/2006/main">
+  <p:cSld>
+    <p:spTree>
+      <p:nvGrpSpPr>
+        <p:cNvPr id="1" name=""/>
+        <p:cNvGrpSpPr/>
+        <p:nvPr/>
+      </p:nvGrpSpPr>
+      <p:grpSpPr>
+        <a:xfrm>
+          <a:off x="0" y="0"/>
+          <a:ext cx="0" cy="0"/>
+          <a:chOff x="0" y="0"/>
+          <a:chExt cx="0" cy="0"/>
+        </a:xfrm>
+      </p:grpSpPr>
+      <p:pic>
+        <p:nvPicPr>
+          <p:cNvPr id="2050" name="Picture 2" descr="42 Different Types of Shoe Heels - ThreadCurve">
+            <a:extLst>
+              <a:ext uri="{FF2B5EF4-FFF2-40B4-BE49-F238E27FC236}">
+                <a16:creationId xmlns:a16="http://schemas.microsoft.com/office/drawing/2014/main" id="{F687E789-5787-3548-82B8-93A7B9FAC89A}"/>
+              </a:ext>
+            </a:extLst>
+          </p:cNvPr>
+          <p:cNvPicPr>
+            <a:picLocks noChangeAspect="1" noChangeArrowheads="1"/>
+          </p:cNvPicPr>
+          <p:nvPr/>
+        </p:nvPicPr>
+        <p:blipFill>
+          <a:blip r:embed="rId2">
+            <a:alphaModFix amt="35000"/>
+            <a:extLst>
+              <a:ext uri="{28A0092B-C50C-407E-A947-70E740481C1C}">
+                <a14:useLocalDpi xmlns:a14="http://schemas.microsoft.com/office/drawing/2010/main" val="0"/>
+              </a:ext>
+            </a:extLst>
+          </a:blip>
+          <a:srcRect/>
+          <a:stretch>
+            <a:fillRect/>
+          </a:stretch>
+        </p:blipFill>
+        <p:spPr bwMode="auto">
+          <a:xfrm>
+            <a:off x="0" y="0"/>
+            <a:ext cx="12192000" cy="6858000"/>
+          </a:xfrm>
+          <a:prstGeom prst="rect">
+            <a:avLst/>
+          </a:prstGeom>
+          <a:noFill/>
+          <a:extLst>
+            <a:ext uri="{909E8E84-426E-40DD-AFC4-6F175D3DCCD1}">
+              <a14:hiddenFill xmlns:a14="http://schemas.microsoft.com/office/drawing/2010/main">
+                <a:solidFill>
+                  <a:srgbClr val="FFFFFF"/>
+                </a:solidFill>
+              </a14:hiddenFill>
+            </a:ext>
+          </a:extLst>
+        </p:spPr>
+      </p:pic>
+      <p:sp>
+        <p:nvSpPr>
+          <p:cNvPr id="2" name="Title 1">
+            <a:extLst>
+              <a:ext uri="{FF2B5EF4-FFF2-40B4-BE49-F238E27FC236}">
+                <a16:creationId xmlns:a16="http://schemas.microsoft.com/office/drawing/2014/main" id="{36A56644-08F2-144B-B5CF-8F62CF9CFE54}"/>
+              </a:ext>
+            </a:extLst>
+          </p:cNvPr>
+          <p:cNvSpPr>
+            <a:spLocks noGrp="1"/>
+          </p:cNvSpPr>
+          <p:nvPr>
+            <p:ph type="title"/>
+          </p:nvPr>
+        </p:nvSpPr>
+        <p:spPr>
+          <a:xfrm>
+            <a:off x="2480153" y="907147"/>
+            <a:ext cx="7513380" cy="1325563"/>
+          </a:xfrm>
+        </p:spPr>
+        <p:txBody>
+          <a:bodyPr>
+            <a:normAutofit/>
+          </a:bodyPr>
+          <a:lstStyle/>
+          <a:p>
+            <a:r>
+              <a:rPr lang="en-US" sz="3600" dirty="0">
+                <a:latin typeface="Century Gothic" panose="020B0502020202020204" pitchFamily="34" charset="0"/>
+              </a:rPr>
+              <a:t>Conclusions and Final Thoughts</a:t>
+            </a:r>
+          </a:p>
+        </p:txBody>
+      </p:sp>
+      <p:sp>
+        <p:nvSpPr>
+          <p:cNvPr id="4" name="Content Placeholder 3">
+            <a:extLst>
+              <a:ext uri="{FF2B5EF4-FFF2-40B4-BE49-F238E27FC236}">
+                <a16:creationId xmlns:a16="http://schemas.microsoft.com/office/drawing/2014/main" id="{2A5BF1A5-78E2-DC47-A238-D7F42B0078DD}"/>
+              </a:ext>
+            </a:extLst>
+          </p:cNvPr>
+          <p:cNvSpPr>
+            <a:spLocks noGrp="1"/>
+          </p:cNvSpPr>
+          <p:nvPr>
+            <p:ph sz="half" idx="2"/>
+          </p:nvPr>
+        </p:nvSpPr>
+        <p:spPr>
+          <a:xfrm>
+            <a:off x="836612" y="2402794"/>
+            <a:ext cx="10333896" cy="3132244"/>
+          </a:xfrm>
+        </p:spPr>
+        <p:txBody>
+          <a:bodyPr>
+            <a:normAutofit/>
+          </a:bodyPr>
+          <a:lstStyle/>
+          <a:p>
+            <a:r>
+              <a:rPr lang="en-US" dirty="0"/>
+              <a:t>Brinley Co. is the most popular brand of shoe.</a:t>
+            </a:r>
+          </a:p>
+          <a:p>
+            <a:r>
+              <a:rPr lang="en-US" dirty="0"/>
+              <a:t>Most popular shoe category are boots.</a:t>
+            </a:r>
+          </a:p>
+          <a:p>
+            <a:r>
+              <a:rPr lang="en-US" dirty="0"/>
+              <a:t>Black shoes represent the majority of shoes produced</a:t>
+            </a:r>
+          </a:p>
+          <a:p>
+            <a:r>
+              <a:rPr lang="en-US" dirty="0"/>
+              <a:t>White shoes typically cost the most</a:t>
+            </a:r>
+          </a:p>
+          <a:p>
+            <a:r>
+              <a:rPr lang="en-US" dirty="0"/>
+              <a:t>The top brand with the lowest average price is Soda while the top brand with the highest average price is SAS.</a:t>
+            </a:r>
+          </a:p>
+          <a:p>
+            <a:endParaRPr lang="en-US" dirty="0"/>
+          </a:p>
+        </p:txBody>
+      </p:sp>
+      <p:cxnSp>
+        <p:nvCxnSpPr>
+          <p:cNvPr id="9" name="Straight Connector 8">
+            <a:extLst>
+              <a:ext uri="{FF2B5EF4-FFF2-40B4-BE49-F238E27FC236}">
+                <a16:creationId xmlns:a16="http://schemas.microsoft.com/office/drawing/2014/main" id="{548F2010-6F67-A94A-A138-ED5BBCB1E171}"/>
+              </a:ext>
+            </a:extLst>
+          </p:cNvPr>
+          <p:cNvCxnSpPr/>
+          <p:nvPr/>
+        </p:nvCxnSpPr>
+        <p:spPr>
+          <a:xfrm>
+            <a:off x="2392609" y="1940011"/>
+            <a:ext cx="7257064" cy="0"/>
+          </a:xfrm>
+          <a:prstGeom prst="line">
+            <a:avLst/>
+          </a:prstGeom>
+          <a:ln w="79375">
+            <a:solidFill>
+              <a:schemeClr val="tx1"/>
+            </a:solidFill>
+          </a:ln>
+        </p:spPr>
+        <p:style>
+          <a:lnRef idx="1">
+            <a:schemeClr val="accent1"/>
+          </a:lnRef>
+          <a:fillRef idx="0">
+            <a:schemeClr val="accent1"/>
+          </a:fillRef>
+          <a:effectRef idx="0">
+            <a:schemeClr val="accent1"/>
+          </a:effectRef>
+          <a:fontRef idx="minor">
+            <a:schemeClr val="tx1"/>
+          </a:fontRef>
+        </p:style>
+      </p:cxnSp>
+      <p:sp>
+        <p:nvSpPr>
+          <p:cNvPr id="11" name="Rectangle 3">
+            <a:extLst>
+              <a:ext uri="{FF2B5EF4-FFF2-40B4-BE49-F238E27FC236}">
+                <a16:creationId xmlns:a16="http://schemas.microsoft.com/office/drawing/2014/main" id="{65F2F174-6658-B447-B616-76B3DAFDD8C8}"/>
+              </a:ext>
+            </a:extLst>
+          </p:cNvPr>
+          <p:cNvSpPr>
+            <a:spLocks noChangeArrowheads="1"/>
+          </p:cNvSpPr>
+          <p:nvPr/>
+        </p:nvSpPr>
+        <p:spPr bwMode="auto">
+          <a:xfrm>
+            <a:off x="8554272" y="3932253"/>
+            <a:ext cx="9589618" cy="342094"/>
+          </a:xfrm>
+          <a:prstGeom prst="rect">
+            <a:avLst/>
+          </a:prstGeom>
+          <a:noFill/>
+          <a:ln>
+            <a:noFill/>
+          </a:ln>
+          <a:effectLst/>
+          <a:extLst>
+            <a:ext uri="{909E8E84-426E-40DD-AFC4-6F175D3DCCD1}">
+              <a14:hiddenFill xmlns:a14="http://schemas.microsoft.com/office/drawing/2010/main">
+                <a:solidFill>
+                  <a:schemeClr val="accent1"/>
+                </a:solidFill>
+              </a14:hiddenFill>
+            </a:ext>
+            <a:ext uri="{91240B29-F687-4F45-9708-019B960494DF}">
+              <a14:hiddenLine xmlns:a14="http://schemas.microsoft.com/office/drawing/2010/main" w="9525">
+                <a:solidFill>
+                  <a:schemeClr val="tx1"/>
+                </a:solidFill>
+                <a:miter lim="800000"/>
+                <a:headEnd/>
+                <a:tailEnd/>
+              </a14:hiddenLine>
+            </a:ext>
+            <a:ext uri="{AF507438-7753-43E0-B8FC-AC1667EBCBE1}">
+              <a14:hiddenEffects xmlns:a14="http://schemas.microsoft.com/office/drawing/2010/main">
+                <a:effectLst>
+                  <a:outerShdw dist="35921" dir="2700000" algn="ctr" rotWithShape="0">
+                    <a:schemeClr val="bg2"/>
+                  </a:outerShdw>
+                </a:effectLst>
+              </a14:hiddenEffects>
+            </a:ext>
+          </a:extLst>
+        </p:spPr>
+        <p:txBody>
+          <a:bodyPr vert="horz" wrap="square" lIns="91440" tIns="45720" rIns="91440" bIns="45720" numCol="1" anchor="ctr" anchorCtr="0" compatLnSpc="1">
+            <a:prstTxWarp prst="textNoShape">
+              <a:avLst/>
+            </a:prstTxWarp>
+            <a:spAutoFit/>
+          </a:bodyPr>
+          <a:lstStyle/>
+          <a:p>
+            <a:endParaRPr lang="en-US"/>
+          </a:p>
+        </p:txBody>
+      </p:sp>
+    </p:spTree>
+    <p:extLst>
+      <p:ext uri="{BB962C8B-B14F-4D97-AF65-F5344CB8AC3E}">
+        <p14:creationId xmlns:p14="http://schemas.microsoft.com/office/powerpoint/2010/main" val="2775188018"/>
+      </p:ext>
+    </p:extLst>
+  </p:cSld>
+  <p:clrMapOvr>
+    <a:masterClrMapping/>
+  </p:clrMapOvr>
+</p:sld>
+</file>
+
+<file path=ppt/slides/slide12.xml><?xml version="1.0" encoding="utf-8"?>
+<p:sld xmlns:a="http://schemas.openxmlformats.org/drawingml/2006/main" xmlns:r="http://schemas.openxmlformats.org/officeDocument/2006/relationships" xmlns:p="http://schemas.openxmlformats.org/presentationml/2006/main">
+  <p:cSld>
+    <p:spTree>
+      <p:nvGrpSpPr>
+        <p:cNvPr id="1" name=""/>
+        <p:cNvGrpSpPr/>
+        <p:nvPr/>
+      </p:nvGrpSpPr>
+      <p:grpSpPr>
+        <a:xfrm>
+          <a:off x="0" y="0"/>
+          <a:ext cx="0" cy="0"/>
+          <a:chOff x="0" y="0"/>
+          <a:chExt cx="0" cy="0"/>
+        </a:xfrm>
+      </p:grpSpPr>
       <p:pic>
         <p:nvPicPr>
           <p:cNvPr id="5124" name="Picture 4" descr="Cannes tries to bring women to heel – but high shoes are a menace to the  body">
@@ -4584,8 +5118,8 @@
         </p:nvSpPr>
         <p:spPr>
           <a:xfrm>
-            <a:off x="838200" y="1301010"/>
-            <a:ext cx="10515600" cy="4255979"/>
+            <a:off x="838200" y="1743959"/>
+            <a:ext cx="10515600" cy="3813030"/>
           </a:xfrm>
         </p:spPr>
         <p:txBody>
@@ -4595,15 +5129,31 @@
           <a:lstStyle/>
           <a:p>
             <a:r>
-              <a:rPr lang="en-US" sz="2400" dirty="0">
+              <a:rPr lang="en-US" sz="2400" b="1" dirty="0">
                 <a:latin typeface="Century Gothic" panose="020B0502020202020204" pitchFamily="34" charset="0"/>
               </a:rPr>
-              <a:t>What is the impact of women on shoes and what kinds of shoes are being produced? What category of shoe is most widely made for women? Boot, sandal, heels, etc.</a:t>
-            </a:r>
-          </a:p>
-          <a:p>
-            <a:r>
-              <a:rPr lang="en-US" sz="2400" dirty="0">
+              <a:t>What are the most popular shoe types made for women (boot, sandal, heels, etc.)?</a:t>
+            </a:r>
+          </a:p>
+          <a:p>
+            <a:r>
+              <a:rPr lang="en-US" sz="2400" b="1" dirty="0">
+                <a:latin typeface="Century Gothic" panose="020B0502020202020204" pitchFamily="34" charset="0"/>
+              </a:rPr>
+              <a:t>Does shoe type affect pricing?</a:t>
+            </a:r>
+          </a:p>
+          <a:p>
+            <a:r>
+              <a:rPr lang="en-US" sz="2400" b="1" dirty="0">
+                <a:latin typeface="Century Gothic" panose="020B0502020202020204" pitchFamily="34" charset="0"/>
+              </a:rPr>
+              <a:t>Does shoe size affect pricing?</a:t>
+            </a:r>
+          </a:p>
+          <a:p>
+            <a:r>
+              <a:rPr lang="en-US" sz="2400" b="1" dirty="0">
                 <a:latin typeface="Century Gothic" panose="020B0502020202020204" pitchFamily="34" charset="0"/>
               </a:rPr>
               <a:t>Out of the shoes being produced, what are the top brands that are produced?</a:t>
@@ -4611,7 +5161,7 @@
           </a:p>
           <a:p>
             <a:r>
-              <a:rPr lang="en-US" sz="2400" dirty="0">
+              <a:rPr lang="en-US" sz="2400" b="1" dirty="0">
                 <a:latin typeface="Century Gothic" panose="020B0502020202020204" pitchFamily="34" charset="0"/>
               </a:rPr>
               <a:t>What is the average price point of the top brands?</a:t>
@@ -4619,30 +5169,91 @@
           </a:p>
           <a:p>
             <a:r>
-              <a:rPr lang="en-US" sz="2400" dirty="0">
+              <a:rPr lang="en-US" sz="2400" b="1" dirty="0">
                 <a:latin typeface="Century Gothic" panose="020B0502020202020204" pitchFamily="34" charset="0"/>
               </a:rPr>
               <a:t>What are the top colors and the average price points of those colors?</a:t>
             </a:r>
           </a:p>
           <a:p>
-            <a:r>
-              <a:rPr lang="en-US" sz="2400" dirty="0">
-                <a:latin typeface="Century Gothic" panose="020B0502020202020204" pitchFamily="34" charset="0"/>
-              </a:rPr>
-              <a:t>Does shoe type affect pricing?</a:t>
-            </a:r>
-          </a:p>
-          <a:p>
-            <a:r>
-              <a:rPr lang="en-US" sz="2400" dirty="0">
-                <a:latin typeface="Century Gothic" panose="020B0502020202020204" pitchFamily="34" charset="0"/>
-              </a:rPr>
-              <a:t>Does shoe size affect pricing?</a:t>
-            </a:r>
-          </a:p>
-          <a:p>
-            <a:endParaRPr lang="en-US" dirty="0"/>
+            <a:endParaRPr lang="en-US" b="1" dirty="0"/>
+          </a:p>
+        </p:txBody>
+      </p:sp>
+      <p:cxnSp>
+        <p:nvCxnSpPr>
+          <p:cNvPr id="5" name="Straight Connector 4">
+            <a:extLst>
+              <a:ext uri="{FF2B5EF4-FFF2-40B4-BE49-F238E27FC236}">
+                <a16:creationId xmlns:a16="http://schemas.microsoft.com/office/drawing/2014/main" id="{3E675B22-CD96-48A3-858D-4741D6AF5DC1}"/>
+              </a:ext>
+            </a:extLst>
+          </p:cNvPr>
+          <p:cNvCxnSpPr/>
+          <p:nvPr/>
+        </p:nvCxnSpPr>
+        <p:spPr>
+          <a:xfrm>
+            <a:off x="4283751" y="1519082"/>
+            <a:ext cx="3526661" cy="0"/>
+          </a:xfrm>
+          <a:prstGeom prst="line">
+            <a:avLst/>
+          </a:prstGeom>
+          <a:ln w="79375">
+            <a:solidFill>
+              <a:schemeClr val="tx1"/>
+            </a:solidFill>
+          </a:ln>
+        </p:spPr>
+        <p:style>
+          <a:lnRef idx="1">
+            <a:schemeClr val="accent1"/>
+          </a:lnRef>
+          <a:fillRef idx="0">
+            <a:schemeClr val="accent1"/>
+          </a:fillRef>
+          <a:effectRef idx="0">
+            <a:schemeClr val="accent1"/>
+          </a:effectRef>
+          <a:fontRef idx="minor">
+            <a:schemeClr val="tx1"/>
+          </a:fontRef>
+        </p:style>
+      </p:cxnSp>
+      <p:sp>
+        <p:nvSpPr>
+          <p:cNvPr id="6" name="TextBox 5">
+            <a:extLst>
+              <a:ext uri="{FF2B5EF4-FFF2-40B4-BE49-F238E27FC236}">
+                <a16:creationId xmlns:a16="http://schemas.microsoft.com/office/drawing/2014/main" id="{5E6AE25C-5DD0-49F8-8665-E3546C1829E6}"/>
+              </a:ext>
+            </a:extLst>
+          </p:cNvPr>
+          <p:cNvSpPr txBox="1"/>
+          <p:nvPr/>
+        </p:nvSpPr>
+        <p:spPr>
+          <a:xfrm>
+            <a:off x="4107948" y="705874"/>
+            <a:ext cx="3859427" cy="646331"/>
+          </a:xfrm>
+          <a:prstGeom prst="rect">
+            <a:avLst/>
+          </a:prstGeom>
+          <a:noFill/>
+        </p:spPr>
+        <p:txBody>
+          <a:bodyPr wrap="square" rtlCol="0">
+            <a:spAutoFit/>
+          </a:bodyPr>
+          <a:lstStyle/>
+          <a:p>
+            <a:pPr algn="ctr"/>
+            <a:r>
+              <a:rPr lang="en-US" sz="3600" b="1" dirty="0"/>
+              <a:t>Questions</a:t>
+            </a:r>
           </a:p>
         </p:txBody>
       </p:sp>
@@ -4706,7 +5317,7 @@
           <a:p>
             <a:pPr algn="ctr"/>
             <a:r>
-              <a:rPr lang="en-US" dirty="0">
+              <a:rPr lang="en-US" sz="3000" dirty="0">
                 <a:latin typeface="Century Gothic" panose="020B0502020202020204" pitchFamily="34" charset="0"/>
               </a:rPr>
               <a:t>Shoe Types</a:t>
@@ -5019,7 +5630,7 @@
           <a:p>
             <a:pPr algn="ctr"/>
             <a:r>
-              <a:rPr lang="en-US" dirty="0">
+              <a:rPr lang="en-US" sz="3000" dirty="0">
                 <a:latin typeface="Century Gothic" panose="020B0502020202020204" pitchFamily="34" charset="0"/>
               </a:rPr>
               <a:t>Shoe Price by Type </a:t>
@@ -5092,12 +5703,12 @@
         </p:spPr>
         <p:txBody>
           <a:bodyPr>
-            <a:normAutofit fontScale="62500" lnSpcReduction="20000"/>
+            <a:normAutofit/>
           </a:bodyPr>
           <a:lstStyle/>
           <a:p>
             <a:r>
-              <a:rPr lang="en-US" dirty="0">
+              <a:rPr lang="en-US" sz="1600" dirty="0">
                 <a:latin typeface="Century Gothic" panose="020B0502020202020204" pitchFamily="34" charset="0"/>
               </a:rPr>
               <a:t>Median shoe prices run from $33 for flats to $64 for shoes in the ‘other’ category.</a:t>
@@ -5105,7 +5716,7 @@
           </a:p>
           <a:p>
             <a:r>
-              <a:rPr lang="en-US" dirty="0">
+              <a:rPr lang="en-US" sz="1600" dirty="0">
                 <a:latin typeface="Century Gothic" panose="020B0502020202020204" pitchFamily="34" charset="0"/>
               </a:rPr>
               <a:t>The ‘other’ category may reflect higher prices due to more expensive brands having more creative names for their shoes that are not caught by our filters.</a:t>
@@ -5113,7 +5724,7 @@
           </a:p>
           <a:p>
             <a:r>
-              <a:rPr lang="en-US" dirty="0">
+              <a:rPr lang="en-US" sz="1600" dirty="0">
                 <a:latin typeface="Century Gothic" panose="020B0502020202020204" pitchFamily="34" charset="0"/>
               </a:rPr>
               <a:t>Several outliers exist for shoes costing over $100 ($117 is the top whisker for flats).</a:t>
@@ -5121,7 +5732,7 @@
           </a:p>
           <a:p>
             <a:r>
-              <a:rPr lang="en-US" dirty="0">
+              <a:rPr lang="en-US" sz="1600" dirty="0">
                 <a:latin typeface="Century Gothic" panose="020B0502020202020204" pitchFamily="34" charset="0"/>
               </a:rPr>
               <a:t>18 shoes with prices over $500 were removed from the data before analysis.</a:t>
@@ -5131,7 +5742,7 @@
             <a:pPr marL="0" indent="0">
               <a:buNone/>
             </a:pPr>
-            <a:endParaRPr lang="en-US" dirty="0"/>
+            <a:endParaRPr lang="en-US" sz="1600" dirty="0"/>
           </a:p>
         </p:txBody>
       </p:sp>
@@ -5239,7 +5850,7 @@
     </p:spTree>
     <p:extLst>
       <p:ext uri="{BB962C8B-B14F-4D97-AF65-F5344CB8AC3E}">
-        <p14:creationId xmlns:p14="http://schemas.microsoft.com/office/powerpoint/2010/main" val="2700057201"/>
+        <p14:creationId xmlns:p14="http://schemas.microsoft.com/office/powerpoint/2010/main" val="817408215"/>
       </p:ext>
     </p:extLst>
   </p:cSld>
@@ -5290,164 +5901,20 @@
         </p:spPr>
         <p:txBody>
           <a:bodyPr>
-            <a:noAutofit/>
+            <a:normAutofit/>
           </a:bodyPr>
           <a:lstStyle/>
           <a:p>
-            <a:r>
-              <a:rPr lang="en-US" sz="3200" dirty="0">
+            <a:pPr algn="ctr"/>
+            <a:r>
+              <a:rPr lang="en-US" sz="3000" dirty="0">
                 <a:latin typeface="Century Gothic" panose="020B0502020202020204" pitchFamily="34" charset="0"/>
               </a:rPr>
-              <a:t>Average Price of Top Brands</a:t>
-            </a:r>
-          </a:p>
-        </p:txBody>
-      </p:sp>
-      <p:sp>
-        <p:nvSpPr>
-          <p:cNvPr id="3" name="Text Placeholder 2">
-            <a:extLst>
-              <a:ext uri="{FF2B5EF4-FFF2-40B4-BE49-F238E27FC236}">
-                <a16:creationId xmlns:a16="http://schemas.microsoft.com/office/drawing/2014/main" id="{35A43C3E-B011-440A-8DE1-D64AA8B891F5}"/>
-              </a:ext>
-            </a:extLst>
-          </p:cNvPr>
-          <p:cNvSpPr>
-            <a:spLocks noGrp="1"/>
-          </p:cNvSpPr>
-          <p:nvPr>
-            <p:ph type="body" idx="1"/>
-          </p:nvPr>
-        </p:nvSpPr>
-        <p:spPr/>
-        <p:txBody>
-          <a:bodyPr>
-            <a:normAutofit/>
-          </a:bodyPr>
-          <a:lstStyle/>
-          <a:p>
-            <a:r>
-              <a:rPr lang="en-US" dirty="0"/>
-              <a:t>Bar chart of average price</a:t>
-            </a:r>
-          </a:p>
-        </p:txBody>
-      </p:sp>
-      <p:sp>
-        <p:nvSpPr>
-          <p:cNvPr id="5" name="Text Placeholder 4">
-            <a:extLst>
-              <a:ext uri="{FF2B5EF4-FFF2-40B4-BE49-F238E27FC236}">
-                <a16:creationId xmlns:a16="http://schemas.microsoft.com/office/drawing/2014/main" id="{2B01203F-F7F3-48E0-B826-228A8C09C79A}"/>
-              </a:ext>
-            </a:extLst>
-          </p:cNvPr>
-          <p:cNvSpPr>
-            <a:spLocks noGrp="1"/>
-          </p:cNvSpPr>
-          <p:nvPr>
-            <p:ph type="body" sz="quarter" idx="3"/>
-          </p:nvPr>
-        </p:nvSpPr>
-        <p:spPr>
-          <a:xfrm>
-            <a:off x="5603431" y="2684192"/>
-            <a:ext cx="6302287" cy="3726886"/>
-          </a:xfrm>
-        </p:spPr>
-        <p:txBody>
-          <a:bodyPr>
-            <a:normAutofit/>
-          </a:bodyPr>
-          <a:lstStyle/>
-          <a:p>
-            <a:pPr marL="342900" indent="-342900">
-              <a:buFont typeface="Arial" panose="020B0604020202020204" pitchFamily="34" charset="0"/>
-              <a:buChar char="•"/>
-            </a:pPr>
-            <a:r>
-              <a:rPr lang="en-US" sz="1800" b="0" dirty="0">
-                <a:latin typeface="Century Gothic" panose="020B0502020202020204" pitchFamily="34" charset="0"/>
-              </a:rPr>
-              <a:t>The brands Soda and Brinley Co. are the lowest average price at $32.76 and $35.86, respectively.</a:t>
-            </a:r>
-          </a:p>
-          <a:p>
-            <a:pPr marL="342900" indent="-342900">
-              <a:buFont typeface="Arial" panose="020B0604020202020204" pitchFamily="34" charset="0"/>
-              <a:buChar char="•"/>
-            </a:pPr>
-            <a:r>
-              <a:rPr lang="en-US" sz="1800" b="0" dirty="0">
-                <a:latin typeface="Century Gothic" panose="020B0502020202020204" pitchFamily="34" charset="0"/>
-              </a:rPr>
-              <a:t>SAS has an average price of $141.61 and Drew has an average price of $140.20 making these the highest average brands.</a:t>
-            </a:r>
-          </a:p>
-          <a:p>
-            <a:pPr marL="342900" indent="-342900">
-              <a:buFont typeface="Arial" panose="020B0604020202020204" pitchFamily="34" charset="0"/>
-              <a:buChar char="•"/>
-            </a:pPr>
-            <a:r>
-              <a:rPr lang="en-US" sz="1800" b="0" dirty="0">
-                <a:latin typeface="Century Gothic" panose="020B0502020202020204" pitchFamily="34" charset="0"/>
-              </a:rPr>
-              <a:t>The company could earn an extra $1,127.25 a month ($13,527 annually) if they discounted SAS and Drew brand shoes 20% and gained 5 more shoe purchases a month per brand.</a:t>
-            </a:r>
-          </a:p>
-          <a:p>
-            <a:endParaRPr lang="en-US" dirty="0"/>
-          </a:p>
-          <a:p>
-            <a:endParaRPr lang="en-US" dirty="0"/>
-          </a:p>
-          <a:p>
-            <a:endParaRPr lang="en-US" dirty="0"/>
-          </a:p>
-          <a:p>
-            <a:endParaRPr lang="en-US" dirty="0"/>
-          </a:p>
-          <a:p>
-            <a:endParaRPr lang="en-US" dirty="0"/>
-          </a:p>
-        </p:txBody>
-      </p:sp>
-      <p:pic>
-        <p:nvPicPr>
-          <p:cNvPr id="10" name="Content Placeholder 9" descr="Graphical user interface, text, application&#10;&#10;Description automatically generated">
-            <a:extLst>
-              <a:ext uri="{FF2B5EF4-FFF2-40B4-BE49-F238E27FC236}">
-                <a16:creationId xmlns:a16="http://schemas.microsoft.com/office/drawing/2014/main" id="{5B86B7CB-ED11-4D3A-9D4E-994F37A527B4}"/>
-              </a:ext>
-            </a:extLst>
-          </p:cNvPr>
-          <p:cNvPicPr>
-            <a:picLocks noGrp="1" noChangeAspect="1"/>
-          </p:cNvPicPr>
-          <p:nvPr>
-            <p:ph sz="quarter" idx="4"/>
-          </p:nvPr>
-        </p:nvPicPr>
-        <p:blipFill>
-          <a:blip r:embed="rId2">
-            <a:extLst>
-              <a:ext uri="{28A0092B-C50C-407E-A947-70E740481C1C}">
-                <a14:useLocalDpi xmlns:a14="http://schemas.microsoft.com/office/drawing/2010/main" val="0"/>
-              </a:ext>
-            </a:extLst>
-          </a:blip>
-          <a:stretch>
-            <a:fillRect/>
-          </a:stretch>
-        </p:blipFill>
-        <p:spPr>
-          <a:xfrm>
-            <a:off x="493624" y="4470400"/>
-            <a:ext cx="8597824" cy="2265185"/>
-          </a:xfrm>
-        </p:spPr>
-      </p:pic>
+              <a:t>Shoe Price by Size</a:t>
+            </a:r>
+          </a:p>
+        </p:txBody>
+      </p:sp>
       <p:cxnSp>
         <p:nvCxnSpPr>
           <p:cNvPr id="12" name="Straight Connector 11">
@@ -5462,8 +5929,8 @@
         </p:nvCxnSpPr>
         <p:spPr>
           <a:xfrm>
-            <a:off x="5782962" y="1112107"/>
-            <a:ext cx="5915414" cy="0"/>
+            <a:off x="6138344" y="1112107"/>
+            <a:ext cx="5377649" cy="0"/>
           </a:xfrm>
           <a:prstGeom prst="line">
             <a:avLst/>
@@ -5491,10 +5958,10 @@
       </p:cxnSp>
       <p:sp>
         <p:nvSpPr>
-          <p:cNvPr id="14" name="Content Placeholder 13">
-            <a:extLst>
-              <a:ext uri="{FF2B5EF4-FFF2-40B4-BE49-F238E27FC236}">
-                <a16:creationId xmlns:a16="http://schemas.microsoft.com/office/drawing/2014/main" id="{06B7CE33-FFC0-3948-8581-13F7CE0B3912}"/>
+          <p:cNvPr id="7" name="Content Placeholder 6">
+            <a:extLst>
+              <a:ext uri="{FF2B5EF4-FFF2-40B4-BE49-F238E27FC236}">
+                <a16:creationId xmlns:a16="http://schemas.microsoft.com/office/drawing/2014/main" id="{42F1070B-B54A-6943-A4FD-CE02C890D8CD}"/>
               </a:ext>
             </a:extLst>
           </p:cNvPr>
@@ -5505,535 +5972,9 @@
             <p:ph sz="half" idx="2"/>
           </p:nvPr>
         </p:nvSpPr>
-        <p:spPr/>
-        <p:txBody>
-          <a:bodyPr/>
-          <a:lstStyle/>
-          <a:p>
-            <a:endParaRPr lang="en-US"/>
-          </a:p>
-        </p:txBody>
-      </p:sp>
-      <p:pic>
-        <p:nvPicPr>
-          <p:cNvPr id="7170" name="Picture 2" descr="image">
-            <a:extLst>
-              <a:ext uri="{FF2B5EF4-FFF2-40B4-BE49-F238E27FC236}">
-                <a16:creationId xmlns:a16="http://schemas.microsoft.com/office/drawing/2014/main" id="{8C6CA9E5-CE72-0848-B00D-2EF70EAD3177}"/>
-              </a:ext>
-            </a:extLst>
-          </p:cNvPr>
-          <p:cNvPicPr>
-            <a:picLocks noChangeAspect="1" noChangeArrowheads="1"/>
-          </p:cNvPicPr>
-          <p:nvPr/>
-        </p:nvPicPr>
-        <p:blipFill>
-          <a:blip r:embed="rId3">
-            <a:extLst>
-              <a:ext uri="{28A0092B-C50C-407E-A947-70E740481C1C}">
-                <a14:useLocalDpi xmlns:a14="http://schemas.microsoft.com/office/drawing/2010/main" val="0"/>
-              </a:ext>
-            </a:extLst>
-          </a:blip>
-          <a:srcRect/>
-          <a:stretch>
-            <a:fillRect/>
-          </a:stretch>
-        </p:blipFill>
-        <p:spPr bwMode="auto">
-          <a:xfrm>
-            <a:off x="1012930" y="526215"/>
-            <a:ext cx="3779606" cy="3722770"/>
-          </a:xfrm>
-          <a:prstGeom prst="rect">
-            <a:avLst/>
-          </a:prstGeom>
-          <a:noFill/>
-          <a:extLst>
-            <a:ext uri="{909E8E84-426E-40DD-AFC4-6F175D3DCCD1}">
-              <a14:hiddenFill xmlns:a14="http://schemas.microsoft.com/office/drawing/2010/main">
-                <a:solidFill>
-                  <a:srgbClr val="FFFFFF"/>
-                </a:solidFill>
-              </a14:hiddenFill>
-            </a:ext>
-          </a:extLst>
-        </p:spPr>
-      </p:pic>
-    </p:spTree>
-    <p:extLst>
-      <p:ext uri="{BB962C8B-B14F-4D97-AF65-F5344CB8AC3E}">
-        <p14:creationId xmlns:p14="http://schemas.microsoft.com/office/powerpoint/2010/main" val="469958454"/>
-      </p:ext>
-    </p:extLst>
-  </p:cSld>
-  <p:clrMapOvr>
-    <a:masterClrMapping/>
-  </p:clrMapOvr>
-</p:sld>
-</file>
-
-<file path=ppt/slides/slide7.xml><?xml version="1.0" encoding="utf-8"?>
-<p:sld xmlns:a="http://schemas.openxmlformats.org/drawingml/2006/main" xmlns:r="http://schemas.openxmlformats.org/officeDocument/2006/relationships" xmlns:p="http://schemas.openxmlformats.org/presentationml/2006/main">
-  <p:cSld>
-    <p:spTree>
-      <p:nvGrpSpPr>
-        <p:cNvPr id="1" name=""/>
-        <p:cNvGrpSpPr/>
-        <p:nvPr/>
-      </p:nvGrpSpPr>
-      <p:grpSpPr>
-        <a:xfrm>
-          <a:off x="0" y="0"/>
-          <a:ext cx="0" cy="0"/>
-          <a:chOff x="0" y="0"/>
-          <a:chExt cx="0" cy="0"/>
-        </a:xfrm>
-      </p:grpSpPr>
-      <p:sp>
-        <p:nvSpPr>
-          <p:cNvPr id="2" name="Title 1">
-            <a:extLst>
-              <a:ext uri="{FF2B5EF4-FFF2-40B4-BE49-F238E27FC236}">
-                <a16:creationId xmlns:a16="http://schemas.microsoft.com/office/drawing/2014/main" id="{63157D4E-68C3-47B0-A3B3-D49B0641F127}"/>
-              </a:ext>
-            </a:extLst>
-          </p:cNvPr>
-          <p:cNvSpPr>
-            <a:spLocks noGrp="1"/>
-          </p:cNvSpPr>
-          <p:nvPr>
-            <p:ph type="title"/>
-          </p:nvPr>
-        </p:nvSpPr>
-        <p:spPr>
-          <a:xfrm>
-            <a:off x="5810776" y="319454"/>
-            <a:ext cx="5887599" cy="970450"/>
-          </a:xfrm>
-        </p:spPr>
-        <p:txBody>
-          <a:bodyPr>
-            <a:normAutofit/>
-          </a:bodyPr>
-          <a:lstStyle/>
-          <a:p>
-            <a:pPr algn="ctr"/>
-            <a:r>
-              <a:rPr lang="en-US" dirty="0">
-                <a:latin typeface="Century Gothic" panose="020B0502020202020204" pitchFamily="34" charset="0"/>
-              </a:rPr>
-              <a:t>Price by Color</a:t>
-            </a:r>
-          </a:p>
-        </p:txBody>
-      </p:sp>
-      <p:sp>
-        <p:nvSpPr>
-          <p:cNvPr id="4" name="Half Frame 3">
-            <a:extLst>
-              <a:ext uri="{FF2B5EF4-FFF2-40B4-BE49-F238E27FC236}">
-                <a16:creationId xmlns:a16="http://schemas.microsoft.com/office/drawing/2014/main" id="{BE69345B-0546-E346-9FC6-7EDBC25C9ACB}"/>
-              </a:ext>
-            </a:extLst>
-          </p:cNvPr>
-          <p:cNvSpPr/>
-          <p:nvPr/>
-        </p:nvSpPr>
-        <p:spPr>
-          <a:xfrm>
-            <a:off x="9091448" y="2406869"/>
-            <a:ext cx="126124" cy="98206"/>
-          </a:xfrm>
-          <a:prstGeom prst="halfFrame">
-            <a:avLst/>
-          </a:prstGeom>
-        </p:spPr>
-        <p:style>
-          <a:lnRef idx="2">
-            <a:schemeClr val="accent1">
-              <a:shade val="50000"/>
-            </a:schemeClr>
-          </a:lnRef>
-          <a:fillRef idx="1">
-            <a:schemeClr val="accent1"/>
-          </a:fillRef>
-          <a:effectRef idx="0">
-            <a:schemeClr val="accent1"/>
-          </a:effectRef>
-          <a:fontRef idx="minor">
-            <a:schemeClr val="lt1"/>
-          </a:fontRef>
-        </p:style>
-        <p:txBody>
-          <a:bodyPr rtlCol="0" anchor="ctr"/>
-          <a:lstStyle/>
-          <a:p>
-            <a:pPr algn="ctr"/>
-            <a:endParaRPr lang="en-US">
-              <a:solidFill>
-                <a:schemeClr val="tx1"/>
-              </a:solidFill>
-            </a:endParaRPr>
-          </a:p>
-        </p:txBody>
-      </p:sp>
-      <p:cxnSp>
-        <p:nvCxnSpPr>
-          <p:cNvPr id="12" name="Straight Connector 11">
-            <a:extLst>
-              <a:ext uri="{FF2B5EF4-FFF2-40B4-BE49-F238E27FC236}">
-                <a16:creationId xmlns:a16="http://schemas.microsoft.com/office/drawing/2014/main" id="{79F5D651-4C8B-124D-87F0-C0AE09F19AD7}"/>
-              </a:ext>
-            </a:extLst>
-          </p:cNvPr>
-          <p:cNvCxnSpPr/>
-          <p:nvPr/>
-        </p:nvCxnSpPr>
-        <p:spPr>
-          <a:xfrm>
-            <a:off x="6138344" y="1112107"/>
-            <a:ext cx="5377649" cy="0"/>
-          </a:xfrm>
-          <a:prstGeom prst="line">
-            <a:avLst/>
-          </a:prstGeom>
-          <a:ln w="50800" cap="rnd">
-            <a:solidFill>
-              <a:schemeClr val="tx1"/>
-            </a:solidFill>
-          </a:ln>
-        </p:spPr>
-        <p:style>
-          <a:lnRef idx="1">
-            <a:schemeClr val="accent1"/>
-          </a:lnRef>
-          <a:fillRef idx="0">
-            <a:schemeClr val="accent1"/>
-          </a:fillRef>
-          <a:effectRef idx="0">
-            <a:schemeClr val="accent1"/>
-          </a:effectRef>
-          <a:fontRef idx="minor">
-            <a:schemeClr val="tx1"/>
-          </a:fontRef>
-        </p:style>
-      </p:cxnSp>
-      <p:sp>
-        <p:nvSpPr>
-          <p:cNvPr id="7" name="Content Placeholder 6">
-            <a:extLst>
-              <a:ext uri="{FF2B5EF4-FFF2-40B4-BE49-F238E27FC236}">
-                <a16:creationId xmlns:a16="http://schemas.microsoft.com/office/drawing/2014/main" id="{42F1070B-B54A-6943-A4FD-CE02C890D8CD}"/>
-              </a:ext>
-            </a:extLst>
-          </p:cNvPr>
-          <p:cNvSpPr>
-            <a:spLocks noGrp="1"/>
-          </p:cNvSpPr>
-          <p:nvPr>
-            <p:ph sz="half" idx="2"/>
-          </p:nvPr>
-        </p:nvSpPr>
-        <p:spPr>
-          <a:xfrm>
-            <a:off x="6259221" y="1568380"/>
-            <a:ext cx="5439154" cy="2782641"/>
-          </a:xfrm>
-        </p:spPr>
-        <p:txBody>
-          <a:bodyPr>
-            <a:normAutofit/>
-          </a:bodyPr>
-          <a:lstStyle/>
-          <a:p>
-            <a:r>
-              <a:rPr lang="en-US" sz="1800" dirty="0">
-                <a:latin typeface="Century Gothic" panose="020B0502020202020204" pitchFamily="34" charset="0"/>
-              </a:rPr>
-              <a:t>White shoes typically cost the most having an average price point of $92.96.</a:t>
-            </a:r>
-          </a:p>
-          <a:p>
-            <a:r>
-              <a:rPr lang="en-US" sz="1800" dirty="0">
-                <a:latin typeface="Century Gothic" panose="020B0502020202020204" pitchFamily="34" charset="0"/>
-              </a:rPr>
-              <a:t>Black shoes came in second having an average price point of $74.18.</a:t>
-            </a:r>
-          </a:p>
-          <a:p>
-            <a:r>
-              <a:rPr lang="en-US" sz="1800" dirty="0">
-                <a:latin typeface="Century Gothic" panose="020B0502020202020204" pitchFamily="34" charset="0"/>
-              </a:rPr>
-              <a:t>Out of the top ten colors, grey shoes have the lowest average price point coming in at $47.90.</a:t>
-            </a:r>
-          </a:p>
-        </p:txBody>
-      </p:sp>
-      <p:pic>
-        <p:nvPicPr>
-          <p:cNvPr id="15" name="Content Placeholder 9" descr="Text&#10;&#10;Description automatically generated with medium confidence">
-            <a:extLst>
-              <a:ext uri="{FF2B5EF4-FFF2-40B4-BE49-F238E27FC236}">
-                <a16:creationId xmlns:a16="http://schemas.microsoft.com/office/drawing/2014/main" id="{10B322ED-F5EE-6E4E-88B7-8E10AA5D6A62}"/>
-              </a:ext>
-            </a:extLst>
-          </p:cNvPr>
-          <p:cNvPicPr>
-            <a:picLocks noChangeAspect="1"/>
-          </p:cNvPicPr>
-          <p:nvPr/>
-        </p:nvPicPr>
-        <p:blipFill>
-          <a:blip r:embed="rId2">
-            <a:extLst>
-              <a:ext uri="{28A0092B-C50C-407E-A947-70E740481C1C}">
-                <a14:useLocalDpi xmlns:a14="http://schemas.microsoft.com/office/drawing/2010/main" val="0"/>
-              </a:ext>
-            </a:extLst>
-          </a:blip>
-          <a:stretch>
-            <a:fillRect/>
-          </a:stretch>
-        </p:blipFill>
-        <p:spPr>
-          <a:xfrm>
-            <a:off x="448171" y="4344965"/>
-            <a:ext cx="7920990" cy="2193581"/>
-          </a:xfrm>
-          <a:prstGeom prst="rect">
-            <a:avLst/>
-          </a:prstGeom>
-        </p:spPr>
-      </p:pic>
-      <p:pic>
-        <p:nvPicPr>
-          <p:cNvPr id="8194" name="Picture 2" descr="image">
-            <a:extLst>
-              <a:ext uri="{FF2B5EF4-FFF2-40B4-BE49-F238E27FC236}">
-                <a16:creationId xmlns:a16="http://schemas.microsoft.com/office/drawing/2014/main" id="{0542ED48-580D-5F40-91EF-3FEC7C4F4D54}"/>
-              </a:ext>
-            </a:extLst>
-          </p:cNvPr>
-          <p:cNvPicPr>
-            <a:picLocks noChangeAspect="1" noChangeArrowheads="1"/>
-          </p:cNvPicPr>
-          <p:nvPr/>
-        </p:nvPicPr>
-        <p:blipFill>
-          <a:blip r:embed="rId3">
-            <a:extLst>
-              <a:ext uri="{28A0092B-C50C-407E-A947-70E740481C1C}">
-                <a14:useLocalDpi xmlns:a14="http://schemas.microsoft.com/office/drawing/2010/main" val="0"/>
-              </a:ext>
-            </a:extLst>
-          </a:blip>
-          <a:srcRect/>
-          <a:stretch>
-            <a:fillRect/>
-          </a:stretch>
-        </p:blipFill>
-        <p:spPr bwMode="auto">
-          <a:xfrm>
-            <a:off x="448171" y="709472"/>
-            <a:ext cx="4409833" cy="3358785"/>
-          </a:xfrm>
-          <a:prstGeom prst="rect">
-            <a:avLst/>
-          </a:prstGeom>
-          <a:noFill/>
-          <a:extLst>
-            <a:ext uri="{909E8E84-426E-40DD-AFC4-6F175D3DCCD1}">
-              <a14:hiddenFill xmlns:a14="http://schemas.microsoft.com/office/drawing/2010/main">
-                <a:solidFill>
-                  <a:srgbClr val="FFFFFF"/>
-                </a:solidFill>
-              </a14:hiddenFill>
-            </a:ext>
-          </a:extLst>
-        </p:spPr>
-      </p:pic>
-    </p:spTree>
-    <p:extLst>
-      <p:ext uri="{BB962C8B-B14F-4D97-AF65-F5344CB8AC3E}">
-        <p14:creationId xmlns:p14="http://schemas.microsoft.com/office/powerpoint/2010/main" val="3600052207"/>
-      </p:ext>
-    </p:extLst>
-  </p:cSld>
-  <p:clrMapOvr>
-    <a:masterClrMapping/>
-  </p:clrMapOvr>
-</p:sld>
-</file>
-
-<file path=ppt/slides/slide8.xml><?xml version="1.0" encoding="utf-8"?>
-<p:sld xmlns:a="http://schemas.openxmlformats.org/drawingml/2006/main" xmlns:r="http://schemas.openxmlformats.org/officeDocument/2006/relationships" xmlns:p="http://schemas.openxmlformats.org/presentationml/2006/main">
-  <p:cSld>
-    <p:spTree>
-      <p:nvGrpSpPr>
-        <p:cNvPr id="1" name=""/>
-        <p:cNvGrpSpPr/>
-        <p:nvPr/>
-      </p:nvGrpSpPr>
-      <p:grpSpPr>
-        <a:xfrm>
-          <a:off x="0" y="0"/>
-          <a:ext cx="0" cy="0"/>
-          <a:chOff x="0" y="0"/>
-          <a:chExt cx="0" cy="0"/>
-        </a:xfrm>
-      </p:grpSpPr>
-      <p:sp>
-        <p:nvSpPr>
-          <p:cNvPr id="2" name="Title 1">
-            <a:extLst>
-              <a:ext uri="{FF2B5EF4-FFF2-40B4-BE49-F238E27FC236}">
-                <a16:creationId xmlns:a16="http://schemas.microsoft.com/office/drawing/2014/main" id="{63157D4E-68C3-47B0-A3B3-D49B0641F127}"/>
-              </a:ext>
-            </a:extLst>
-          </p:cNvPr>
-          <p:cNvSpPr>
-            <a:spLocks noGrp="1"/>
-          </p:cNvSpPr>
-          <p:nvPr>
-            <p:ph type="title"/>
-          </p:nvPr>
-        </p:nvSpPr>
-        <p:spPr>
-          <a:xfrm>
-            <a:off x="5810776" y="319454"/>
-            <a:ext cx="5887599" cy="970450"/>
-          </a:xfrm>
-        </p:spPr>
-        <p:txBody>
-          <a:bodyPr>
-            <a:normAutofit fontScale="90000"/>
-          </a:bodyPr>
-          <a:lstStyle/>
-          <a:p>
-            <a:pPr algn="ctr"/>
-            <a:r>
-              <a:rPr lang="en-US" dirty="0">
-                <a:latin typeface="Century Gothic" panose="020B0502020202020204" pitchFamily="34" charset="0"/>
-              </a:rPr>
-              <a:t>Does Size Affect Price</a:t>
-            </a:r>
-          </a:p>
-        </p:txBody>
-      </p:sp>
-      <p:sp>
-        <p:nvSpPr>
-          <p:cNvPr id="4" name="Half Frame 3">
-            <a:extLst>
-              <a:ext uri="{FF2B5EF4-FFF2-40B4-BE49-F238E27FC236}">
-                <a16:creationId xmlns:a16="http://schemas.microsoft.com/office/drawing/2014/main" id="{BE69345B-0546-E346-9FC6-7EDBC25C9ACB}"/>
-              </a:ext>
-            </a:extLst>
-          </p:cNvPr>
-          <p:cNvSpPr/>
-          <p:nvPr/>
-        </p:nvSpPr>
-        <p:spPr>
-          <a:xfrm>
-            <a:off x="9091448" y="2406869"/>
-            <a:ext cx="126124" cy="98206"/>
-          </a:xfrm>
-          <a:prstGeom prst="halfFrame">
-            <a:avLst/>
-          </a:prstGeom>
-        </p:spPr>
-        <p:style>
-          <a:lnRef idx="2">
-            <a:schemeClr val="accent1">
-              <a:shade val="50000"/>
-            </a:schemeClr>
-          </a:lnRef>
-          <a:fillRef idx="1">
-            <a:schemeClr val="accent1"/>
-          </a:fillRef>
-          <a:effectRef idx="0">
-            <a:schemeClr val="accent1"/>
-          </a:effectRef>
-          <a:fontRef idx="minor">
-            <a:schemeClr val="lt1"/>
-          </a:fontRef>
-        </p:style>
-        <p:txBody>
-          <a:bodyPr rtlCol="0" anchor="ctr"/>
-          <a:lstStyle/>
-          <a:p>
-            <a:pPr algn="ctr"/>
-            <a:endParaRPr lang="en-US">
-              <a:solidFill>
-                <a:schemeClr val="tx1"/>
-              </a:solidFill>
-            </a:endParaRPr>
-          </a:p>
-        </p:txBody>
-      </p:sp>
-      <p:cxnSp>
-        <p:nvCxnSpPr>
-          <p:cNvPr id="12" name="Straight Connector 11">
-            <a:extLst>
-              <a:ext uri="{FF2B5EF4-FFF2-40B4-BE49-F238E27FC236}">
-                <a16:creationId xmlns:a16="http://schemas.microsoft.com/office/drawing/2014/main" id="{79F5D651-4C8B-124D-87F0-C0AE09F19AD7}"/>
-              </a:ext>
-            </a:extLst>
-          </p:cNvPr>
-          <p:cNvCxnSpPr/>
-          <p:nvPr/>
-        </p:nvCxnSpPr>
-        <p:spPr>
-          <a:xfrm>
-            <a:off x="6138344" y="1112107"/>
-            <a:ext cx="5377649" cy="0"/>
-          </a:xfrm>
-          <a:prstGeom prst="line">
-            <a:avLst/>
-          </a:prstGeom>
-          <a:ln w="50800" cap="rnd">
-            <a:solidFill>
-              <a:schemeClr val="tx1"/>
-            </a:solidFill>
-          </a:ln>
-        </p:spPr>
-        <p:style>
-          <a:lnRef idx="1">
-            <a:schemeClr val="accent1"/>
-          </a:lnRef>
-          <a:fillRef idx="0">
-            <a:schemeClr val="accent1"/>
-          </a:fillRef>
-          <a:effectRef idx="0">
-            <a:schemeClr val="accent1"/>
-          </a:effectRef>
-          <a:fontRef idx="minor">
-            <a:schemeClr val="tx1"/>
-          </a:fontRef>
-        </p:style>
-      </p:cxnSp>
-      <p:sp>
-        <p:nvSpPr>
-          <p:cNvPr id="7" name="Content Placeholder 6">
-            <a:extLst>
-              <a:ext uri="{FF2B5EF4-FFF2-40B4-BE49-F238E27FC236}">
-                <a16:creationId xmlns:a16="http://schemas.microsoft.com/office/drawing/2014/main" id="{42F1070B-B54A-6943-A4FD-CE02C890D8CD}"/>
-              </a:ext>
-            </a:extLst>
-          </p:cNvPr>
-          <p:cNvSpPr>
-            <a:spLocks noGrp="1"/>
-          </p:cNvSpPr>
-          <p:nvPr>
-            <p:ph sz="half" idx="2"/>
-          </p:nvPr>
-        </p:nvSpPr>
-        <p:spPr>
-          <a:xfrm>
-            <a:off x="5935741" y="1447788"/>
+        <p:spPr>
+          <a:xfrm>
+            <a:off x="5935741" y="1515356"/>
             <a:ext cx="5782854" cy="2094278"/>
           </a:xfrm>
         </p:spPr>
@@ -6192,7 +6133,550 @@
     </p:spTree>
     <p:extLst>
       <p:ext uri="{BB962C8B-B14F-4D97-AF65-F5344CB8AC3E}">
-        <p14:creationId xmlns:p14="http://schemas.microsoft.com/office/powerpoint/2010/main" val="542884631"/>
+        <p14:creationId xmlns:p14="http://schemas.microsoft.com/office/powerpoint/2010/main" val="984881145"/>
+      </p:ext>
+    </p:extLst>
+  </p:cSld>
+  <p:clrMapOvr>
+    <a:masterClrMapping/>
+  </p:clrMapOvr>
+</p:sld>
+</file>
+
+<file path=ppt/slides/slide7.xml><?xml version="1.0" encoding="utf-8"?>
+<p:sld xmlns:a="http://schemas.openxmlformats.org/drawingml/2006/main" xmlns:r="http://schemas.openxmlformats.org/officeDocument/2006/relationships" xmlns:p="http://schemas.openxmlformats.org/presentationml/2006/main">
+  <p:cSld>
+    <p:spTree>
+      <p:nvGrpSpPr>
+        <p:cNvPr id="1" name=""/>
+        <p:cNvGrpSpPr/>
+        <p:nvPr/>
+      </p:nvGrpSpPr>
+      <p:grpSpPr>
+        <a:xfrm>
+          <a:off x="0" y="0"/>
+          <a:ext cx="0" cy="0"/>
+          <a:chOff x="0" y="0"/>
+          <a:chExt cx="0" cy="0"/>
+        </a:xfrm>
+      </p:grpSpPr>
+      <p:sp>
+        <p:nvSpPr>
+          <p:cNvPr id="2" name="Title 1">
+            <a:extLst>
+              <a:ext uri="{FF2B5EF4-FFF2-40B4-BE49-F238E27FC236}">
+                <a16:creationId xmlns:a16="http://schemas.microsoft.com/office/drawing/2014/main" id="{63157D4E-68C3-47B0-A3B3-D49B0641F127}"/>
+              </a:ext>
+            </a:extLst>
+          </p:cNvPr>
+          <p:cNvSpPr>
+            <a:spLocks noGrp="1"/>
+          </p:cNvSpPr>
+          <p:nvPr>
+            <p:ph type="title"/>
+          </p:nvPr>
+        </p:nvSpPr>
+        <p:spPr>
+          <a:xfrm>
+            <a:off x="5810776" y="319454"/>
+            <a:ext cx="5887599" cy="970450"/>
+          </a:xfrm>
+        </p:spPr>
+        <p:txBody>
+          <a:bodyPr>
+            <a:normAutofit/>
+          </a:bodyPr>
+          <a:lstStyle/>
+          <a:p>
+            <a:pPr algn="ctr"/>
+            <a:r>
+              <a:rPr lang="en-US" sz="3000" dirty="0">
+                <a:latin typeface="Century Gothic" panose="020B0502020202020204" pitchFamily="34" charset="0"/>
+              </a:rPr>
+              <a:t>Top Brands</a:t>
+            </a:r>
+          </a:p>
+        </p:txBody>
+      </p:sp>
+      <p:cxnSp>
+        <p:nvCxnSpPr>
+          <p:cNvPr id="12" name="Straight Connector 11">
+            <a:extLst>
+              <a:ext uri="{FF2B5EF4-FFF2-40B4-BE49-F238E27FC236}">
+                <a16:creationId xmlns:a16="http://schemas.microsoft.com/office/drawing/2014/main" id="{79F5D651-4C8B-124D-87F0-C0AE09F19AD7}"/>
+              </a:ext>
+            </a:extLst>
+          </p:cNvPr>
+          <p:cNvCxnSpPr/>
+          <p:nvPr/>
+        </p:nvCxnSpPr>
+        <p:spPr>
+          <a:xfrm>
+            <a:off x="6382782" y="1112107"/>
+            <a:ext cx="4888772" cy="0"/>
+          </a:xfrm>
+          <a:prstGeom prst="line">
+            <a:avLst/>
+          </a:prstGeom>
+          <a:ln w="50800" cap="rnd">
+            <a:solidFill>
+              <a:schemeClr val="tx1"/>
+            </a:solidFill>
+          </a:ln>
+        </p:spPr>
+        <p:style>
+          <a:lnRef idx="1">
+            <a:schemeClr val="accent1"/>
+          </a:lnRef>
+          <a:fillRef idx="0">
+            <a:schemeClr val="accent1"/>
+          </a:fillRef>
+          <a:effectRef idx="0">
+            <a:schemeClr val="accent1"/>
+          </a:effectRef>
+          <a:fontRef idx="minor">
+            <a:schemeClr val="tx1"/>
+          </a:fontRef>
+        </p:style>
+      </p:cxnSp>
+      <p:sp>
+        <p:nvSpPr>
+          <p:cNvPr id="7" name="Content Placeholder 6">
+            <a:extLst>
+              <a:ext uri="{FF2B5EF4-FFF2-40B4-BE49-F238E27FC236}">
+                <a16:creationId xmlns:a16="http://schemas.microsoft.com/office/drawing/2014/main" id="{42F1070B-B54A-6943-A4FD-CE02C890D8CD}"/>
+              </a:ext>
+            </a:extLst>
+          </p:cNvPr>
+          <p:cNvSpPr>
+            <a:spLocks noGrp="1"/>
+          </p:cNvSpPr>
+          <p:nvPr>
+            <p:ph sz="half" idx="2"/>
+          </p:nvPr>
+        </p:nvSpPr>
+        <p:spPr>
+          <a:xfrm>
+            <a:off x="6171414" y="1548689"/>
+            <a:ext cx="5450869" cy="2210223"/>
+          </a:xfrm>
+        </p:spPr>
+        <p:txBody>
+          <a:bodyPr>
+            <a:noAutofit/>
+          </a:bodyPr>
+          <a:lstStyle/>
+          <a:p>
+            <a:r>
+              <a:rPr lang="en-US" sz="1600" dirty="0">
+                <a:latin typeface="Century Gothic" panose="020B0502020202020204" pitchFamily="34" charset="0"/>
+              </a:rPr>
+              <a:t> The top 10 brands make up 40.8% of all </a:t>
+            </a:r>
+            <a:r>
+              <a:rPr lang="en-US" sz="1600" dirty="0" err="1">
+                <a:latin typeface="Century Gothic" panose="020B0502020202020204" pitchFamily="34" charset="0"/>
+              </a:rPr>
+              <a:t>womens</a:t>
+            </a:r>
+            <a:r>
+              <a:rPr lang="en-US" sz="1600" dirty="0">
+                <a:latin typeface="Century Gothic" panose="020B0502020202020204" pitchFamily="34" charset="0"/>
+              </a:rPr>
+              <a:t> shoes in this data set.</a:t>
+            </a:r>
+          </a:p>
+          <a:p>
+            <a:r>
+              <a:rPr lang="en-US" sz="1600" dirty="0">
+                <a:latin typeface="Century Gothic" panose="020B0502020202020204" pitchFamily="34" charset="0"/>
+              </a:rPr>
+              <a:t>Brinley Co. makes up 24.7% of the top brand of top ten brands of shoes. The bottom 4 brands combined, </a:t>
+            </a:r>
+            <a:r>
+              <a:rPr lang="en-US" sz="1600" dirty="0" err="1">
+                <a:latin typeface="Century Gothic" panose="020B0502020202020204" pitchFamily="34" charset="0"/>
+              </a:rPr>
+              <a:t>Aerosoles</a:t>
+            </a:r>
+            <a:r>
+              <a:rPr lang="en-US" sz="1600" dirty="0">
+                <a:latin typeface="Century Gothic" panose="020B0502020202020204" pitchFamily="34" charset="0"/>
+              </a:rPr>
+              <a:t>, </a:t>
+            </a:r>
+            <a:r>
+              <a:rPr lang="en-US" sz="1600" dirty="0" err="1">
+                <a:latin typeface="Century Gothic" panose="020B0502020202020204" pitchFamily="34" charset="0"/>
+              </a:rPr>
+              <a:t>L'Artiste</a:t>
+            </a:r>
+            <a:r>
+              <a:rPr lang="en-US" sz="1600" dirty="0">
+                <a:latin typeface="Century Gothic" panose="020B0502020202020204" pitchFamily="34" charset="0"/>
+              </a:rPr>
+              <a:t> by Spring Step, Drew, and Easy Street, make up only 20.1%</a:t>
+            </a:r>
+          </a:p>
+          <a:p>
+            <a:r>
+              <a:rPr lang="en-US" sz="1600" dirty="0">
+                <a:latin typeface="Century Gothic" panose="020B0502020202020204" pitchFamily="34" charset="0"/>
+              </a:rPr>
+              <a:t>The top three brands, Brinley Co., </a:t>
+            </a:r>
+            <a:r>
+              <a:rPr lang="en-US" sz="1600" dirty="0" err="1">
+                <a:latin typeface="Century Gothic" panose="020B0502020202020204" pitchFamily="34" charset="0"/>
+              </a:rPr>
+              <a:t>Propet</a:t>
+            </a:r>
+            <a:r>
+              <a:rPr lang="en-US" sz="1600" dirty="0">
+                <a:latin typeface="Century Gothic" panose="020B0502020202020204" pitchFamily="34" charset="0"/>
+              </a:rPr>
+              <a:t>, and SAS, make up 51.5% of all shoes in this data set.</a:t>
+            </a:r>
+          </a:p>
+        </p:txBody>
+      </p:sp>
+      <p:pic>
+        <p:nvPicPr>
+          <p:cNvPr id="5" name="Picture 4">
+            <a:extLst>
+              <a:ext uri="{FF2B5EF4-FFF2-40B4-BE49-F238E27FC236}">
+                <a16:creationId xmlns:a16="http://schemas.microsoft.com/office/drawing/2014/main" id="{F0488965-B4D4-4999-A03A-7A34309846E3}"/>
+              </a:ext>
+            </a:extLst>
+          </p:cNvPr>
+          <p:cNvPicPr>
+            <a:picLocks noChangeAspect="1"/>
+          </p:cNvPicPr>
+          <p:nvPr/>
+        </p:nvPicPr>
+        <p:blipFill>
+          <a:blip r:embed="rId2"/>
+          <a:stretch>
+            <a:fillRect/>
+          </a:stretch>
+        </p:blipFill>
+        <p:spPr>
+          <a:xfrm>
+            <a:off x="920446" y="459540"/>
+            <a:ext cx="3972065" cy="3825675"/>
+          </a:xfrm>
+          <a:prstGeom prst="rect">
+            <a:avLst/>
+          </a:prstGeom>
+        </p:spPr>
+      </p:pic>
+      <p:pic>
+        <p:nvPicPr>
+          <p:cNvPr id="10" name="Content Placeholder 26" descr="Graphical user interface, text, application&#10;&#10;Description automatically generated">
+            <a:extLst>
+              <a:ext uri="{FF2B5EF4-FFF2-40B4-BE49-F238E27FC236}">
+                <a16:creationId xmlns:a16="http://schemas.microsoft.com/office/drawing/2014/main" id="{77A6C24B-1FA3-4CC7-BF13-D10873562EF5}"/>
+              </a:ext>
+            </a:extLst>
+          </p:cNvPr>
+          <p:cNvPicPr>
+            <a:picLocks noGrp="1" noChangeAspect="1"/>
+          </p:cNvPicPr>
+          <p:nvPr/>
+        </p:nvPicPr>
+        <p:blipFill>
+          <a:blip r:embed="rId3">
+            <a:extLst>
+              <a:ext uri="{28A0092B-C50C-407E-A947-70E740481C1C}">
+                <a14:useLocalDpi xmlns:a14="http://schemas.microsoft.com/office/drawing/2010/main" val="0"/>
+              </a:ext>
+            </a:extLst>
+          </a:blip>
+          <a:stretch>
+            <a:fillRect/>
+          </a:stretch>
+        </p:blipFill>
+        <p:spPr>
+          <a:xfrm>
+            <a:off x="764856" y="4212115"/>
+            <a:ext cx="4910080" cy="2468442"/>
+          </a:xfrm>
+          <a:prstGeom prst="rect">
+            <a:avLst/>
+          </a:prstGeom>
+          <a:effectLst>
+            <a:outerShdw blurRad="25400" dir="17880000">
+              <a:srgbClr val="000000">
+                <a:alpha val="46000"/>
+              </a:srgbClr>
+            </a:outerShdw>
+          </a:effectLst>
+        </p:spPr>
+      </p:pic>
+    </p:spTree>
+    <p:extLst>
+      <p:ext uri="{BB962C8B-B14F-4D97-AF65-F5344CB8AC3E}">
+        <p14:creationId xmlns:p14="http://schemas.microsoft.com/office/powerpoint/2010/main" val="3580341856"/>
+      </p:ext>
+    </p:extLst>
+  </p:cSld>
+  <p:clrMapOvr>
+    <a:masterClrMapping/>
+  </p:clrMapOvr>
+</p:sld>
+</file>
+
+<file path=ppt/slides/slide8.xml><?xml version="1.0" encoding="utf-8"?>
+<p:sld xmlns:a="http://schemas.openxmlformats.org/drawingml/2006/main" xmlns:r="http://schemas.openxmlformats.org/officeDocument/2006/relationships" xmlns:p="http://schemas.openxmlformats.org/presentationml/2006/main">
+  <p:cSld>
+    <p:spTree>
+      <p:nvGrpSpPr>
+        <p:cNvPr id="1" name=""/>
+        <p:cNvGrpSpPr/>
+        <p:nvPr/>
+      </p:nvGrpSpPr>
+      <p:grpSpPr>
+        <a:xfrm>
+          <a:off x="0" y="0"/>
+          <a:ext cx="0" cy="0"/>
+          <a:chOff x="0" y="0"/>
+          <a:chExt cx="0" cy="0"/>
+        </a:xfrm>
+      </p:grpSpPr>
+      <p:sp>
+        <p:nvSpPr>
+          <p:cNvPr id="2" name="Title 1">
+            <a:extLst>
+              <a:ext uri="{FF2B5EF4-FFF2-40B4-BE49-F238E27FC236}">
+                <a16:creationId xmlns:a16="http://schemas.microsoft.com/office/drawing/2014/main" id="{63157D4E-68C3-47B0-A3B3-D49B0641F127}"/>
+              </a:ext>
+            </a:extLst>
+          </p:cNvPr>
+          <p:cNvSpPr>
+            <a:spLocks noGrp="1"/>
+          </p:cNvSpPr>
+          <p:nvPr>
+            <p:ph type="title"/>
+          </p:nvPr>
+        </p:nvSpPr>
+        <p:spPr>
+          <a:xfrm>
+            <a:off x="5810776" y="319454"/>
+            <a:ext cx="5887599" cy="970450"/>
+          </a:xfrm>
+        </p:spPr>
+        <p:txBody>
+          <a:bodyPr>
+            <a:noAutofit/>
+          </a:bodyPr>
+          <a:lstStyle/>
+          <a:p>
+            <a:r>
+              <a:rPr lang="en-US" sz="3000" dirty="0">
+                <a:latin typeface="Century Gothic" panose="020B0502020202020204" pitchFamily="34" charset="0"/>
+              </a:rPr>
+              <a:t>Average Price of Top Brands</a:t>
+            </a:r>
+          </a:p>
+        </p:txBody>
+      </p:sp>
+      <p:sp>
+        <p:nvSpPr>
+          <p:cNvPr id="5" name="Text Placeholder 4">
+            <a:extLst>
+              <a:ext uri="{FF2B5EF4-FFF2-40B4-BE49-F238E27FC236}">
+                <a16:creationId xmlns:a16="http://schemas.microsoft.com/office/drawing/2014/main" id="{2B01203F-F7F3-48E0-B826-228A8C09C79A}"/>
+              </a:ext>
+            </a:extLst>
+          </p:cNvPr>
+          <p:cNvSpPr>
+            <a:spLocks noGrp="1"/>
+          </p:cNvSpPr>
+          <p:nvPr>
+            <p:ph type="body" sz="quarter" idx="3"/>
+          </p:nvPr>
+        </p:nvSpPr>
+        <p:spPr>
+          <a:xfrm>
+            <a:off x="5471503" y="1357242"/>
+            <a:ext cx="6302287" cy="2868023"/>
+          </a:xfrm>
+        </p:spPr>
+        <p:txBody>
+          <a:bodyPr>
+            <a:normAutofit/>
+          </a:bodyPr>
+          <a:lstStyle/>
+          <a:p>
+            <a:pPr marL="342900" indent="-342900">
+              <a:buFont typeface="Arial" panose="020B0604020202020204" pitchFamily="34" charset="0"/>
+              <a:buChar char="•"/>
+            </a:pPr>
+            <a:r>
+              <a:rPr lang="en-US" sz="1600" b="0" dirty="0">
+                <a:latin typeface="Century Gothic" panose="020B0502020202020204" pitchFamily="34" charset="0"/>
+              </a:rPr>
+              <a:t>The brands Soda and Brinley Co. are the lowest average price at $32.76 and $35.86, respectively.</a:t>
+            </a:r>
+          </a:p>
+          <a:p>
+            <a:pPr marL="342900" indent="-342900">
+              <a:buFont typeface="Arial" panose="020B0604020202020204" pitchFamily="34" charset="0"/>
+              <a:buChar char="•"/>
+            </a:pPr>
+            <a:r>
+              <a:rPr lang="en-US" sz="1600" b="0" dirty="0">
+                <a:latin typeface="Century Gothic" panose="020B0502020202020204" pitchFamily="34" charset="0"/>
+              </a:rPr>
+              <a:t>SAS has an average price of $141.61 and Drew has an average price of $140.20 making these the highest average brands.</a:t>
+            </a:r>
+          </a:p>
+          <a:p>
+            <a:pPr marL="342900" indent="-342900">
+              <a:buFont typeface="Arial" panose="020B0604020202020204" pitchFamily="34" charset="0"/>
+              <a:buChar char="•"/>
+            </a:pPr>
+            <a:r>
+              <a:rPr lang="en-US" sz="1600" b="0" dirty="0">
+                <a:latin typeface="Century Gothic" panose="020B0502020202020204" pitchFamily="34" charset="0"/>
+              </a:rPr>
+              <a:t>The company could earn an extra $1,127.25 a month ($13,527 annually) if they discounted SAS and Drew brand shoes 20% and gained 5 more shoe purchases a month per brand.</a:t>
+            </a:r>
+          </a:p>
+          <a:p>
+            <a:endParaRPr lang="en-US" sz="1600" dirty="0">
+              <a:latin typeface="Century Gothic" panose="020B0502020202020204" pitchFamily="34" charset="0"/>
+            </a:endParaRPr>
+          </a:p>
+        </p:txBody>
+      </p:sp>
+      <p:pic>
+        <p:nvPicPr>
+          <p:cNvPr id="10" name="Content Placeholder 9" descr="Graphical user interface, text, application&#10;&#10;Description automatically generated">
+            <a:extLst>
+              <a:ext uri="{FF2B5EF4-FFF2-40B4-BE49-F238E27FC236}">
+                <a16:creationId xmlns:a16="http://schemas.microsoft.com/office/drawing/2014/main" id="{5B86B7CB-ED11-4D3A-9D4E-994F37A527B4}"/>
+              </a:ext>
+            </a:extLst>
+          </p:cNvPr>
+          <p:cNvPicPr>
+            <a:picLocks noGrp="1" noChangeAspect="1"/>
+          </p:cNvPicPr>
+          <p:nvPr>
+            <p:ph sz="quarter" idx="4"/>
+          </p:nvPr>
+        </p:nvPicPr>
+        <p:blipFill>
+          <a:blip r:embed="rId2">
+            <a:extLst>
+              <a:ext uri="{28A0092B-C50C-407E-A947-70E740481C1C}">
+                <a14:useLocalDpi xmlns:a14="http://schemas.microsoft.com/office/drawing/2010/main" val="0"/>
+              </a:ext>
+            </a:extLst>
+          </a:blip>
+          <a:stretch>
+            <a:fillRect/>
+          </a:stretch>
+        </p:blipFill>
+        <p:spPr>
+          <a:xfrm>
+            <a:off x="493624" y="4470400"/>
+            <a:ext cx="8597824" cy="2265185"/>
+          </a:xfrm>
+        </p:spPr>
+      </p:pic>
+      <p:cxnSp>
+        <p:nvCxnSpPr>
+          <p:cNvPr id="12" name="Straight Connector 11">
+            <a:extLst>
+              <a:ext uri="{FF2B5EF4-FFF2-40B4-BE49-F238E27FC236}">
+                <a16:creationId xmlns:a16="http://schemas.microsoft.com/office/drawing/2014/main" id="{79F5D651-4C8B-124D-87F0-C0AE09F19AD7}"/>
+              </a:ext>
+            </a:extLst>
+          </p:cNvPr>
+          <p:cNvCxnSpPr/>
+          <p:nvPr/>
+        </p:nvCxnSpPr>
+        <p:spPr>
+          <a:xfrm>
+            <a:off x="5782962" y="1112107"/>
+            <a:ext cx="5915414" cy="0"/>
+          </a:xfrm>
+          <a:prstGeom prst="line">
+            <a:avLst/>
+          </a:prstGeom>
+          <a:ln w="50800" cap="rnd">
+            <a:solidFill>
+              <a:schemeClr val="tx1"/>
+            </a:solidFill>
+          </a:ln>
+        </p:spPr>
+        <p:style>
+          <a:lnRef idx="1">
+            <a:schemeClr val="accent1"/>
+          </a:lnRef>
+          <a:fillRef idx="0">
+            <a:schemeClr val="accent1"/>
+          </a:fillRef>
+          <a:effectRef idx="0">
+            <a:schemeClr val="accent1"/>
+          </a:effectRef>
+          <a:fontRef idx="minor">
+            <a:schemeClr val="tx1"/>
+          </a:fontRef>
+        </p:style>
+      </p:cxnSp>
+      <p:pic>
+        <p:nvPicPr>
+          <p:cNvPr id="7170" name="Picture 2" descr="image">
+            <a:extLst>
+              <a:ext uri="{FF2B5EF4-FFF2-40B4-BE49-F238E27FC236}">
+                <a16:creationId xmlns:a16="http://schemas.microsoft.com/office/drawing/2014/main" id="{8C6CA9E5-CE72-0848-B00D-2EF70EAD3177}"/>
+              </a:ext>
+            </a:extLst>
+          </p:cNvPr>
+          <p:cNvPicPr>
+            <a:picLocks noChangeAspect="1" noChangeArrowheads="1"/>
+          </p:cNvPicPr>
+          <p:nvPr/>
+        </p:nvPicPr>
+        <p:blipFill>
+          <a:blip r:embed="rId3">
+            <a:extLst>
+              <a:ext uri="{28A0092B-C50C-407E-A947-70E740481C1C}">
+                <a14:useLocalDpi xmlns:a14="http://schemas.microsoft.com/office/drawing/2010/main" val="0"/>
+              </a:ext>
+            </a:extLst>
+          </a:blip>
+          <a:srcRect/>
+          <a:stretch>
+            <a:fillRect/>
+          </a:stretch>
+        </p:blipFill>
+        <p:spPr bwMode="auto">
+          <a:xfrm>
+            <a:off x="1012930" y="526215"/>
+            <a:ext cx="3779606" cy="3722770"/>
+          </a:xfrm>
+          <a:prstGeom prst="rect">
+            <a:avLst/>
+          </a:prstGeom>
+          <a:noFill/>
+          <a:extLst>
+            <a:ext uri="{909E8E84-426E-40DD-AFC4-6F175D3DCCD1}">
+              <a14:hiddenFill xmlns:a14="http://schemas.microsoft.com/office/drawing/2010/main">
+                <a:solidFill>
+                  <a:srgbClr val="FFFFFF"/>
+                </a:solidFill>
+              </a14:hiddenFill>
+            </a:ext>
+          </a:extLst>
+        </p:spPr>
+      </p:pic>
+    </p:spTree>
+    <p:extLst>
+      <p:ext uri="{BB962C8B-B14F-4D97-AF65-F5344CB8AC3E}">
+        <p14:creationId xmlns:p14="http://schemas.microsoft.com/office/powerpoint/2010/main" val="469958454"/>
       </p:ext>
     </p:extLst>
   </p:cSld>
@@ -6219,60 +6703,12 @@
           <a:chExt cx="0" cy="0"/>
         </a:xfrm>
       </p:grpSpPr>
-      <p:pic>
-        <p:nvPicPr>
-          <p:cNvPr id="2050" name="Picture 2" descr="42 Different Types of Shoe Heels - ThreadCurve">
-            <a:extLst>
-              <a:ext uri="{FF2B5EF4-FFF2-40B4-BE49-F238E27FC236}">
-                <a16:creationId xmlns:a16="http://schemas.microsoft.com/office/drawing/2014/main" id="{F687E789-5787-3548-82B8-93A7B9FAC89A}"/>
-              </a:ext>
-            </a:extLst>
-          </p:cNvPr>
-          <p:cNvPicPr>
-            <a:picLocks noChangeAspect="1" noChangeArrowheads="1"/>
-          </p:cNvPicPr>
-          <p:nvPr/>
-        </p:nvPicPr>
-        <p:blipFill>
-          <a:blip r:embed="rId2">
-            <a:alphaModFix amt="35000"/>
-            <a:extLst>
-              <a:ext uri="{28A0092B-C50C-407E-A947-70E740481C1C}">
-                <a14:useLocalDpi xmlns:a14="http://schemas.microsoft.com/office/drawing/2010/main" val="0"/>
-              </a:ext>
-            </a:extLst>
-          </a:blip>
-          <a:srcRect/>
-          <a:stretch>
-            <a:fillRect/>
-          </a:stretch>
-        </p:blipFill>
-        <p:spPr bwMode="auto">
-          <a:xfrm>
-            <a:off x="0" y="0"/>
-            <a:ext cx="12192000" cy="6858000"/>
-          </a:xfrm>
-          <a:prstGeom prst="rect">
-            <a:avLst/>
-          </a:prstGeom>
-          <a:noFill/>
-          <a:extLst>
-            <a:ext uri="{909E8E84-426E-40DD-AFC4-6F175D3DCCD1}">
-              <a14:hiddenFill xmlns:a14="http://schemas.microsoft.com/office/drawing/2010/main">
-                <a:solidFill>
-                  <a:srgbClr val="FFFFFF"/>
-                </a:solidFill>
-              </a14:hiddenFill>
-            </a:ext>
-          </a:extLst>
-        </p:spPr>
-      </p:pic>
       <p:sp>
         <p:nvSpPr>
           <p:cNvPr id="2" name="Title 1">
             <a:extLst>
               <a:ext uri="{FF2B5EF4-FFF2-40B4-BE49-F238E27FC236}">
-                <a16:creationId xmlns:a16="http://schemas.microsoft.com/office/drawing/2014/main" id="{36A56644-08F2-144B-B5CF-8F62CF9CFE54}"/>
+                <a16:creationId xmlns:a16="http://schemas.microsoft.com/office/drawing/2014/main" id="{63157D4E-68C3-47B0-A3B3-D49B0641F127}"/>
               </a:ext>
             </a:extLst>
           </p:cNvPr>
@@ -6285,8 +6721,8 @@
         </p:nvSpPr>
         <p:spPr>
           <a:xfrm>
-            <a:off x="1974314" y="907147"/>
-            <a:ext cx="7513380" cy="1325563"/>
+            <a:off x="5810776" y="319454"/>
+            <a:ext cx="5887599" cy="970450"/>
           </a:xfrm>
         </p:spPr>
         <p:txBody>
@@ -6295,83 +6731,22 @@
           </a:bodyPr>
           <a:lstStyle/>
           <a:p>
-            <a:r>
-              <a:rPr lang="en-US" sz="3600" dirty="0">
+            <a:pPr algn="ctr"/>
+            <a:r>
+              <a:rPr lang="en-US" sz="3000" dirty="0">
                 <a:latin typeface="Century Gothic" panose="020B0502020202020204" pitchFamily="34" charset="0"/>
               </a:rPr>
-              <a:t>Conclusions and Final Thoughts</a:t>
-            </a:r>
-          </a:p>
-        </p:txBody>
-      </p:sp>
-      <p:sp>
-        <p:nvSpPr>
-          <p:cNvPr id="4" name="Content Placeholder 3">
-            <a:extLst>
-              <a:ext uri="{FF2B5EF4-FFF2-40B4-BE49-F238E27FC236}">
-                <a16:creationId xmlns:a16="http://schemas.microsoft.com/office/drawing/2014/main" id="{2A5BF1A5-78E2-DC47-A238-D7F42B0078DD}"/>
-              </a:ext>
-            </a:extLst>
-          </p:cNvPr>
-          <p:cNvSpPr>
-            <a:spLocks noGrp="1"/>
-          </p:cNvSpPr>
-          <p:nvPr>
-            <p:ph sz="half" idx="2"/>
-          </p:nvPr>
-        </p:nvSpPr>
-        <p:spPr>
-          <a:xfrm>
-            <a:off x="836612" y="2402794"/>
-            <a:ext cx="10333896" cy="3571096"/>
-          </a:xfrm>
-        </p:spPr>
-        <p:txBody>
-          <a:bodyPr>
-            <a:normAutofit/>
-          </a:bodyPr>
-          <a:lstStyle/>
-          <a:p>
-            <a:r>
-              <a:rPr lang="en-US" dirty="0"/>
-              <a:t>Brinley Co. is the most popular brand of shoe.</a:t>
-            </a:r>
-          </a:p>
-          <a:p>
-            <a:r>
-              <a:rPr lang="en-US" dirty="0"/>
-              <a:t>Most popular shoe category are boots.</a:t>
-            </a:r>
-          </a:p>
-          <a:p>
-            <a:r>
-              <a:rPr lang="en-US" dirty="0"/>
-              <a:t>Black shoes represent the majority of shoes produced</a:t>
-            </a:r>
-          </a:p>
-          <a:p>
-            <a:r>
-              <a:rPr lang="en-US" dirty="0"/>
-              <a:t>White shoes typically cost the most</a:t>
-            </a:r>
-          </a:p>
-          <a:p>
-            <a:r>
-              <a:rPr lang="en-US" dirty="0"/>
-              <a:t>The top brand with the lowest average price is Soda while the top brand with the highest average price is SAS.</a:t>
-            </a:r>
-          </a:p>
-          <a:p>
-            <a:endParaRPr lang="en-US" dirty="0"/>
+              <a:t>Top Colors</a:t>
+            </a:r>
           </a:p>
         </p:txBody>
       </p:sp>
       <p:cxnSp>
         <p:nvCxnSpPr>
-          <p:cNvPr id="9" name="Straight Connector 8">
-            <a:extLst>
-              <a:ext uri="{FF2B5EF4-FFF2-40B4-BE49-F238E27FC236}">
-                <a16:creationId xmlns:a16="http://schemas.microsoft.com/office/drawing/2014/main" id="{548F2010-6F67-A94A-A138-ED5BBCB1E171}"/>
+          <p:cNvPr id="12" name="Straight Connector 11">
+            <a:extLst>
+              <a:ext uri="{FF2B5EF4-FFF2-40B4-BE49-F238E27FC236}">
+                <a16:creationId xmlns:a16="http://schemas.microsoft.com/office/drawing/2014/main" id="{79F5D651-4C8B-124D-87F0-C0AE09F19AD7}"/>
               </a:ext>
             </a:extLst>
           </p:cNvPr>
@@ -6380,13 +6755,13 @@
         </p:nvCxnSpPr>
         <p:spPr>
           <a:xfrm>
-            <a:off x="1974314" y="1940011"/>
-            <a:ext cx="7257064" cy="0"/>
+            <a:off x="6138344" y="1112107"/>
+            <a:ext cx="5377649" cy="0"/>
           </a:xfrm>
           <a:prstGeom prst="line">
             <a:avLst/>
           </a:prstGeom>
-          <a:ln w="79375">
+          <a:ln w="50800" cap="rnd">
             <a:solidFill>
               <a:schemeClr val="tx1"/>
             </a:solidFill>
@@ -6409,77 +6784,158 @@
       </p:cxnSp>
       <p:sp>
         <p:nvSpPr>
-          <p:cNvPr id="11" name="Rectangle 3">
-            <a:extLst>
-              <a:ext uri="{FF2B5EF4-FFF2-40B4-BE49-F238E27FC236}">
-                <a16:creationId xmlns:a16="http://schemas.microsoft.com/office/drawing/2014/main" id="{65F2F174-6658-B447-B616-76B3DAFDD8C8}"/>
-              </a:ext>
-            </a:extLst>
-          </p:cNvPr>
-          <p:cNvSpPr>
-            <a:spLocks noChangeArrowheads="1"/>
-          </p:cNvSpPr>
+          <p:cNvPr id="7" name="Content Placeholder 6">
+            <a:extLst>
+              <a:ext uri="{FF2B5EF4-FFF2-40B4-BE49-F238E27FC236}">
+                <a16:creationId xmlns:a16="http://schemas.microsoft.com/office/drawing/2014/main" id="{42F1070B-B54A-6943-A4FD-CE02C890D8CD}"/>
+              </a:ext>
+            </a:extLst>
+          </p:cNvPr>
+          <p:cNvSpPr>
+            <a:spLocks noGrp="1"/>
+          </p:cNvSpPr>
+          <p:nvPr>
+            <p:ph sz="half" idx="2"/>
+          </p:nvPr>
+        </p:nvSpPr>
+        <p:spPr>
+          <a:xfrm>
+            <a:off x="6096000" y="1379842"/>
+            <a:ext cx="5602375" cy="2782641"/>
+          </a:xfrm>
+        </p:spPr>
+        <p:txBody>
+          <a:bodyPr>
+            <a:noAutofit/>
+          </a:bodyPr>
+          <a:lstStyle/>
+          <a:p>
+            <a:pPr algn="l">
+              <a:buFont typeface="Arial" panose="020B0604020202020204" pitchFamily="34" charset="0"/>
+              <a:buChar char="•"/>
+            </a:pPr>
+            <a:r>
+              <a:rPr lang="en-US" sz="1600" b="0" i="0" dirty="0">
+                <a:solidFill>
+                  <a:srgbClr val="1D1C1D"/>
+                </a:solidFill>
+                <a:effectLst/>
+                <a:latin typeface="Century Gothic" panose="020B0502020202020204" pitchFamily="34" charset="0"/>
+              </a:rPr>
+              <a:t>Black shoes represent the majority of shoes produced making up 45.71% of the number of shoes produced amongst the other colors in the top ten shoe color category with a total of 2561 shoes produced.</a:t>
+            </a:r>
+          </a:p>
+          <a:p>
+            <a:pPr algn="l">
+              <a:buFont typeface="Arial" panose="020B0604020202020204" pitchFamily="34" charset="0"/>
+              <a:buChar char="•"/>
+            </a:pPr>
+            <a:r>
+              <a:rPr lang="en-US" sz="1600" b="0" i="0" dirty="0">
+                <a:solidFill>
+                  <a:srgbClr val="1D1C1D"/>
+                </a:solidFill>
+                <a:effectLst/>
+                <a:latin typeface="Century Gothic" panose="020B0502020202020204" pitchFamily="34" charset="0"/>
+              </a:rPr>
+              <a:t>White shoes came in second making up 15.60% of the number of shoes produced amongst the other colors in the top ten shoe color category with a total of 874 shoes produced.</a:t>
+            </a:r>
+          </a:p>
+          <a:p>
+            <a:pPr algn="l">
+              <a:buFont typeface="Arial" panose="020B0604020202020204" pitchFamily="34" charset="0"/>
+              <a:buChar char="•"/>
+            </a:pPr>
+            <a:r>
+              <a:rPr lang="en-US" sz="1600" b="0" i="0" dirty="0">
+                <a:solidFill>
+                  <a:srgbClr val="1D1C1D"/>
+                </a:solidFill>
+                <a:effectLst/>
+                <a:latin typeface="Century Gothic" panose="020B0502020202020204" pitchFamily="34" charset="0"/>
+              </a:rPr>
+              <a:t>Out of the top ten colors, tan shoes came in last, making up 3.93% with a total of 220 shoes produced.</a:t>
+            </a:r>
+          </a:p>
+        </p:txBody>
+      </p:sp>
+      <p:pic>
+        <p:nvPicPr>
+          <p:cNvPr id="4" name="Picture 3">
+            <a:extLst>
+              <a:ext uri="{FF2B5EF4-FFF2-40B4-BE49-F238E27FC236}">
+                <a16:creationId xmlns:a16="http://schemas.microsoft.com/office/drawing/2014/main" id="{BE3455BF-693F-41DD-84A5-29A18FA963FF}"/>
+              </a:ext>
+            </a:extLst>
+          </p:cNvPr>
+          <p:cNvPicPr>
+            <a:picLocks noChangeAspect="1"/>
+          </p:cNvPicPr>
           <p:nvPr/>
-        </p:nvSpPr>
-        <p:spPr bwMode="auto">
-          <a:xfrm>
-            <a:off x="8554272" y="3932253"/>
-            <a:ext cx="9589618" cy="342094"/>
+        </p:nvPicPr>
+        <p:blipFill>
+          <a:blip r:embed="rId2"/>
+          <a:stretch>
+            <a:fillRect/>
+          </a:stretch>
+        </p:blipFill>
+        <p:spPr>
+          <a:xfrm>
+            <a:off x="676007" y="769955"/>
+            <a:ext cx="4328706" cy="3192421"/>
           </a:xfrm>
           <a:prstGeom prst="rect">
             <a:avLst/>
           </a:prstGeom>
-          <a:noFill/>
-          <a:ln>
-            <a:noFill/>
-          </a:ln>
-          <a:effectLst/>
-          <a:extLst>
-            <a:ext uri="{909E8E84-426E-40DD-AFC4-6F175D3DCCD1}">
-              <a14:hiddenFill xmlns:a14="http://schemas.microsoft.com/office/drawing/2010/main">
-                <a:solidFill>
-                  <a:schemeClr val="accent1"/>
-                </a:solidFill>
-              </a14:hiddenFill>
-            </a:ext>
-            <a:ext uri="{91240B29-F687-4F45-9708-019B960494DF}">
-              <a14:hiddenLine xmlns:a14="http://schemas.microsoft.com/office/drawing/2010/main" w="9525">
-                <a:solidFill>
-                  <a:schemeClr val="tx1"/>
-                </a:solidFill>
-                <a:miter lim="800000"/>
-                <a:headEnd/>
-                <a:tailEnd/>
-              </a14:hiddenLine>
-            </a:ext>
-            <a:ext uri="{AF507438-7753-43E0-B8FC-AC1667EBCBE1}">
-              <a14:hiddenEffects xmlns:a14="http://schemas.microsoft.com/office/drawing/2010/main">
-                <a:effectLst>
-                  <a:outerShdw dist="35921" dir="2700000" algn="ctr" rotWithShape="0">
-                    <a:schemeClr val="bg2"/>
-                  </a:outerShdw>
-                </a:effectLst>
-              </a14:hiddenEffects>
-            </a:ext>
-          </a:extLst>
-        </p:spPr>
-        <p:txBody>
-          <a:bodyPr vert="horz" wrap="square" lIns="91440" tIns="45720" rIns="91440" bIns="45720" numCol="1" anchor="ctr" anchorCtr="0" compatLnSpc="1">
-            <a:prstTxWarp prst="textNoShape">
-              <a:avLst/>
-            </a:prstTxWarp>
-            <a:spAutoFit/>
-          </a:bodyPr>
-          <a:lstStyle/>
-          <a:p>
-            <a:endParaRPr lang="en-US"/>
-          </a:p>
-        </p:txBody>
-      </p:sp>
+        </p:spPr>
+      </p:pic>
+      <p:pic>
+        <p:nvPicPr>
+          <p:cNvPr id="9" name="Content Placeholder 9" descr="Text&#10;&#10;Description automatically generated">
+            <a:extLst>
+              <a:ext uri="{FF2B5EF4-FFF2-40B4-BE49-F238E27FC236}">
+                <a16:creationId xmlns:a16="http://schemas.microsoft.com/office/drawing/2014/main" id="{D3BBF781-8AD3-4A74-B23F-5F7453168EC7}"/>
+              </a:ext>
+            </a:extLst>
+          </p:cNvPr>
+          <p:cNvPicPr>
+            <a:picLocks noGrp="1" noChangeAspect="1"/>
+          </p:cNvPicPr>
+          <p:nvPr/>
+        </p:nvPicPr>
+        <p:blipFill>
+          <a:blip r:embed="rId3">
+            <a:extLst>
+              <a:ext uri="{28A0092B-C50C-407E-A947-70E740481C1C}">
+                <a14:useLocalDpi xmlns:a14="http://schemas.microsoft.com/office/drawing/2010/main" val="0"/>
+              </a:ext>
+            </a:extLst>
+          </a:blip>
+          <a:stretch>
+            <a:fillRect/>
+          </a:stretch>
+        </p:blipFill>
+        <p:spPr>
+          <a:xfrm>
+            <a:off x="676007" y="4354258"/>
+            <a:ext cx="5140210" cy="1989981"/>
+          </a:xfrm>
+          <a:prstGeom prst="rect">
+            <a:avLst/>
+          </a:prstGeom>
+          <a:effectLst>
+            <a:outerShdw blurRad="25400" dir="17880000">
+              <a:srgbClr val="000000">
+                <a:alpha val="46000"/>
+              </a:srgbClr>
+            </a:outerShdw>
+          </a:effectLst>
+        </p:spPr>
+      </p:pic>
     </p:spTree>
     <p:extLst>
       <p:ext uri="{BB962C8B-B14F-4D97-AF65-F5344CB8AC3E}">
-        <p14:creationId xmlns:p14="http://schemas.microsoft.com/office/powerpoint/2010/main" val="2775188018"/>
+        <p14:creationId xmlns:p14="http://schemas.microsoft.com/office/powerpoint/2010/main" val="568798775"/>
       </p:ext>
     </p:extLst>
   </p:cSld>
